--- a/book/images/chapt06/zend-memory-manager.pptx
+++ b/book/images/chapt06/zend-memory-manager.pptx
@@ -5,10 +5,11 @@
     <p:sldMasterId id="2147483648" r:id="rId1"/>
   </p:sldMasterIdLst>
   <p:notesMasterIdLst>
-    <p:notesMasterId r:id="rId3"/>
+    <p:notesMasterId r:id="rId4"/>
   </p:notesMasterIdLst>
   <p:sldIdLst>
     <p:sldId id="256" r:id="rId2"/>
+    <p:sldId id="257" r:id="rId3"/>
   </p:sldIdLst>
   <p:sldSz cx="9144000" cy="6858000" type="screen4x3"/>
   <p:notesSz cx="6858000" cy="9144000"/>
@@ -193,7 +194,7 @@
             <a:fld id="{58B216FC-46AC-48B5-9BDA-6EC69BBFD050}" type="datetimeFigureOut">
               <a:rPr lang="zh-CN" altLang="en-US" smtClean="0"/>
               <a:pPr/>
-              <a:t>2011/6/10</a:t>
+              <a:t>2011-06-17</a:t>
             </a:fld>
             <a:endParaRPr lang="zh-CN" altLang="en-US"/>
           </a:p>
@@ -723,7 +724,7 @@
             <a:fld id="{530820CF-B880-4189-942D-D702A7CBA730}" type="datetimeFigureOut">
               <a:rPr lang="zh-CN" altLang="en-US" smtClean="0"/>
               <a:pPr/>
-              <a:t>2011/6/10</a:t>
+              <a:t>2011-06-17</a:t>
             </a:fld>
             <a:endParaRPr lang="zh-CN" altLang="en-US"/>
           </a:p>
@@ -890,7 +891,7 @@
             <a:fld id="{530820CF-B880-4189-942D-D702A7CBA730}" type="datetimeFigureOut">
               <a:rPr lang="zh-CN" altLang="en-US" smtClean="0"/>
               <a:pPr/>
-              <a:t>2011/6/10</a:t>
+              <a:t>2011-06-17</a:t>
             </a:fld>
             <a:endParaRPr lang="zh-CN" altLang="en-US"/>
           </a:p>
@@ -1067,7 +1068,7 @@
             <a:fld id="{530820CF-B880-4189-942D-D702A7CBA730}" type="datetimeFigureOut">
               <a:rPr lang="zh-CN" altLang="en-US" smtClean="0"/>
               <a:pPr/>
-              <a:t>2011/6/10</a:t>
+              <a:t>2011-06-17</a:t>
             </a:fld>
             <a:endParaRPr lang="zh-CN" altLang="en-US"/>
           </a:p>
@@ -1234,7 +1235,7 @@
             <a:fld id="{530820CF-B880-4189-942D-D702A7CBA730}" type="datetimeFigureOut">
               <a:rPr lang="zh-CN" altLang="en-US" smtClean="0"/>
               <a:pPr/>
-              <a:t>2011/6/10</a:t>
+              <a:t>2011-06-17</a:t>
             </a:fld>
             <a:endParaRPr lang="zh-CN" altLang="en-US"/>
           </a:p>
@@ -1477,7 +1478,7 @@
             <a:fld id="{530820CF-B880-4189-942D-D702A7CBA730}" type="datetimeFigureOut">
               <a:rPr lang="zh-CN" altLang="en-US" smtClean="0"/>
               <a:pPr/>
-              <a:t>2011/6/10</a:t>
+              <a:t>2011-06-17</a:t>
             </a:fld>
             <a:endParaRPr lang="zh-CN" altLang="en-US"/>
           </a:p>
@@ -1762,7 +1763,7 @@
             <a:fld id="{530820CF-B880-4189-942D-D702A7CBA730}" type="datetimeFigureOut">
               <a:rPr lang="zh-CN" altLang="en-US" smtClean="0"/>
               <a:pPr/>
-              <a:t>2011/6/10</a:t>
+              <a:t>2011-06-17</a:t>
             </a:fld>
             <a:endParaRPr lang="zh-CN" altLang="en-US"/>
           </a:p>
@@ -2181,7 +2182,7 @@
             <a:fld id="{530820CF-B880-4189-942D-D702A7CBA730}" type="datetimeFigureOut">
               <a:rPr lang="zh-CN" altLang="en-US" smtClean="0"/>
               <a:pPr/>
-              <a:t>2011/6/10</a:t>
+              <a:t>2011-06-17</a:t>
             </a:fld>
             <a:endParaRPr lang="zh-CN" altLang="en-US"/>
           </a:p>
@@ -2296,7 +2297,7 @@
             <a:fld id="{530820CF-B880-4189-942D-D702A7CBA730}" type="datetimeFigureOut">
               <a:rPr lang="zh-CN" altLang="en-US" smtClean="0"/>
               <a:pPr/>
-              <a:t>2011/6/10</a:t>
+              <a:t>2011-06-17</a:t>
             </a:fld>
             <a:endParaRPr lang="zh-CN" altLang="en-US"/>
           </a:p>
@@ -2388,7 +2389,7 @@
             <a:fld id="{530820CF-B880-4189-942D-D702A7CBA730}" type="datetimeFigureOut">
               <a:rPr lang="zh-CN" altLang="en-US" smtClean="0"/>
               <a:pPr/>
-              <a:t>2011/6/10</a:t>
+              <a:t>2011-06-17</a:t>
             </a:fld>
             <a:endParaRPr lang="zh-CN" altLang="en-US"/>
           </a:p>
@@ -2662,7 +2663,7 @@
             <a:fld id="{530820CF-B880-4189-942D-D702A7CBA730}" type="datetimeFigureOut">
               <a:rPr lang="zh-CN" altLang="en-US" smtClean="0"/>
               <a:pPr/>
-              <a:t>2011/6/10</a:t>
+              <a:t>2011-06-17</a:t>
             </a:fld>
             <a:endParaRPr lang="zh-CN" altLang="en-US"/>
           </a:p>
@@ -2912,7 +2913,7 @@
             <a:fld id="{530820CF-B880-4189-942D-D702A7CBA730}" type="datetimeFigureOut">
               <a:rPr lang="zh-CN" altLang="en-US" smtClean="0"/>
               <a:pPr/>
-              <a:t>2011/6/10</a:t>
+              <a:t>2011-06-17</a:t>
             </a:fld>
             <a:endParaRPr lang="zh-CN" altLang="en-US"/>
           </a:p>
@@ -3122,7 +3123,7 @@
             <a:fld id="{530820CF-B880-4189-942D-D702A7CBA730}" type="datetimeFigureOut">
               <a:rPr lang="zh-CN" altLang="en-US" smtClean="0"/>
               <a:pPr/>
-              <a:t>2011/6/10</a:t>
+              <a:t>2011-06-17</a:t>
             </a:fld>
             <a:endParaRPr lang="zh-CN" altLang="en-US"/>
           </a:p>
@@ -4283,6 +4284,831 @@
           </a:p>
         </p:txBody>
       </p:sp>
+    </p:spTree>
+  </p:cSld>
+  <p:clrMapOvr>
+    <a:masterClrMapping/>
+  </p:clrMapOvr>
+</p:sld>
+</file>
+
+<file path=ppt/slides/slide2.xml><?xml version="1.0" encoding="utf-8"?>
+<p:sld xmlns:a="http://schemas.openxmlformats.org/drawingml/2006/main" xmlns:r="http://schemas.openxmlformats.org/officeDocument/2006/relationships" xmlns:p="http://schemas.openxmlformats.org/presentationml/2006/main">
+  <p:cSld>
+    <p:spTree>
+      <p:nvGrpSpPr>
+        <p:cNvPr id="1" name=""/>
+        <p:cNvGrpSpPr/>
+        <p:nvPr/>
+      </p:nvGrpSpPr>
+      <p:grpSpPr>
+        <a:xfrm>
+          <a:off x="0" y="0"/>
+          <a:ext cx="0" cy="0"/>
+          <a:chOff x="0" y="0"/>
+          <a:chExt cx="0" cy="0"/>
+        </a:xfrm>
+      </p:grpSpPr>
+      <p:pic>
+        <p:nvPicPr>
+          <p:cNvPr id="1026" name="Picture 2"/>
+          <p:cNvPicPr>
+            <a:picLocks noChangeAspect="1" noChangeArrowheads="1"/>
+          </p:cNvPicPr>
+          <p:nvPr/>
+        </p:nvPicPr>
+        <p:blipFill>
+          <a:blip r:embed="rId2"/>
+          <a:srcRect/>
+          <a:stretch>
+            <a:fillRect/>
+          </a:stretch>
+        </p:blipFill>
+        <p:spPr bwMode="auto">
+          <a:xfrm>
+            <a:off x="1187624" y="764704"/>
+            <a:ext cx="190500" cy="1952625"/>
+          </a:xfrm>
+          <a:prstGeom prst="rect">
+            <a:avLst/>
+          </a:prstGeom>
+          <a:noFill/>
+          <a:ln w="9525">
+            <a:noFill/>
+            <a:miter lim="800000"/>
+            <a:headEnd/>
+            <a:tailEnd/>
+          </a:ln>
+        </p:spPr>
+      </p:pic>
+      <p:pic>
+        <p:nvPicPr>
+          <p:cNvPr id="1027" name="Picture 3"/>
+          <p:cNvPicPr>
+            <a:picLocks noChangeAspect="1" noChangeArrowheads="1"/>
+          </p:cNvPicPr>
+          <p:nvPr/>
+        </p:nvPicPr>
+        <p:blipFill>
+          <a:blip r:embed="rId3"/>
+          <a:srcRect/>
+          <a:stretch>
+            <a:fillRect/>
+          </a:stretch>
+        </p:blipFill>
+        <p:spPr bwMode="auto">
+          <a:xfrm>
+            <a:off x="1619672" y="908720"/>
+            <a:ext cx="1231337" cy="288032"/>
+          </a:xfrm>
+          <a:prstGeom prst="rect">
+            <a:avLst/>
+          </a:prstGeom>
+          <a:noFill/>
+          <a:ln w="9525">
+            <a:noFill/>
+            <a:miter lim="800000"/>
+            <a:headEnd/>
+            <a:tailEnd/>
+          </a:ln>
+        </p:spPr>
+      </p:pic>
+      <p:pic>
+        <p:nvPicPr>
+          <p:cNvPr id="1028" name="Picture 4"/>
+          <p:cNvPicPr>
+            <a:picLocks noChangeAspect="1" noChangeArrowheads="1"/>
+          </p:cNvPicPr>
+          <p:nvPr/>
+        </p:nvPicPr>
+        <p:blipFill>
+          <a:blip r:embed="rId4"/>
+          <a:srcRect/>
+          <a:stretch>
+            <a:fillRect/>
+          </a:stretch>
+        </p:blipFill>
+        <p:spPr bwMode="auto">
+          <a:xfrm rot="10800000">
+            <a:off x="1259632" y="1052736"/>
+            <a:ext cx="485775" cy="76200"/>
+          </a:xfrm>
+          <a:prstGeom prst="rect">
+            <a:avLst/>
+          </a:prstGeom>
+          <a:noFill/>
+          <a:ln w="9525">
+            <a:noFill/>
+            <a:miter lim="800000"/>
+            <a:headEnd/>
+            <a:tailEnd/>
+          </a:ln>
+        </p:spPr>
+      </p:pic>
+      <p:pic>
+        <p:nvPicPr>
+          <p:cNvPr id="18" name="Picture 3"/>
+          <p:cNvPicPr>
+            <a:picLocks noChangeAspect="1" noChangeArrowheads="1"/>
+          </p:cNvPicPr>
+          <p:nvPr/>
+        </p:nvPicPr>
+        <p:blipFill>
+          <a:blip r:embed="rId3"/>
+          <a:srcRect/>
+          <a:stretch>
+            <a:fillRect/>
+          </a:stretch>
+        </p:blipFill>
+        <p:spPr bwMode="auto">
+          <a:xfrm>
+            <a:off x="3059832" y="908720"/>
+            <a:ext cx="1231337" cy="288032"/>
+          </a:xfrm>
+          <a:prstGeom prst="rect">
+            <a:avLst/>
+          </a:prstGeom>
+          <a:noFill/>
+          <a:ln w="9525">
+            <a:noFill/>
+            <a:miter lim="800000"/>
+            <a:headEnd/>
+            <a:tailEnd/>
+          </a:ln>
+        </p:spPr>
+      </p:pic>
+      <p:pic>
+        <p:nvPicPr>
+          <p:cNvPr id="20" name="Picture 4"/>
+          <p:cNvPicPr>
+            <a:picLocks noChangeAspect="1" noChangeArrowheads="1"/>
+          </p:cNvPicPr>
+          <p:nvPr/>
+        </p:nvPicPr>
+        <p:blipFill>
+          <a:blip r:embed="rId4"/>
+          <a:srcRect/>
+          <a:stretch>
+            <a:fillRect/>
+          </a:stretch>
+        </p:blipFill>
+        <p:spPr bwMode="auto">
+          <a:xfrm rot="10800000">
+            <a:off x="2646065" y="980729"/>
+            <a:ext cx="485775" cy="76200"/>
+          </a:xfrm>
+          <a:prstGeom prst="rect">
+            <a:avLst/>
+          </a:prstGeom>
+          <a:noFill/>
+          <a:ln w="9525">
+            <a:noFill/>
+            <a:miter lim="800000"/>
+            <a:headEnd/>
+            <a:tailEnd/>
+          </a:ln>
+        </p:spPr>
+      </p:pic>
+      <p:pic>
+        <p:nvPicPr>
+          <p:cNvPr id="1029" name="Picture 5"/>
+          <p:cNvPicPr>
+            <a:picLocks noChangeAspect="1" noChangeArrowheads="1"/>
+          </p:cNvPicPr>
+          <p:nvPr/>
+        </p:nvPicPr>
+        <p:blipFill>
+          <a:blip r:embed="rId4"/>
+          <a:srcRect/>
+          <a:stretch>
+            <a:fillRect/>
+          </a:stretch>
+        </p:blipFill>
+        <p:spPr bwMode="auto">
+          <a:xfrm>
+            <a:off x="2627784" y="1052736"/>
+            <a:ext cx="485775" cy="76200"/>
+          </a:xfrm>
+          <a:prstGeom prst="rect">
+            <a:avLst/>
+          </a:prstGeom>
+          <a:noFill/>
+          <a:ln w="9525">
+            <a:noFill/>
+            <a:miter lim="800000"/>
+            <a:headEnd/>
+            <a:tailEnd/>
+          </a:ln>
+        </p:spPr>
+      </p:pic>
+      <p:pic>
+        <p:nvPicPr>
+          <p:cNvPr id="23" name="Picture 3"/>
+          <p:cNvPicPr>
+            <a:picLocks noChangeAspect="1" noChangeArrowheads="1"/>
+          </p:cNvPicPr>
+          <p:nvPr/>
+        </p:nvPicPr>
+        <p:blipFill>
+          <a:blip r:embed="rId3"/>
+          <a:srcRect/>
+          <a:stretch>
+            <a:fillRect/>
+          </a:stretch>
+        </p:blipFill>
+        <p:spPr bwMode="auto">
+          <a:xfrm>
+            <a:off x="4492791" y="908720"/>
+            <a:ext cx="1231337" cy="288032"/>
+          </a:xfrm>
+          <a:prstGeom prst="rect">
+            <a:avLst/>
+          </a:prstGeom>
+          <a:noFill/>
+          <a:ln w="9525">
+            <a:noFill/>
+            <a:miter lim="800000"/>
+            <a:headEnd/>
+            <a:tailEnd/>
+          </a:ln>
+        </p:spPr>
+      </p:pic>
+      <p:pic>
+        <p:nvPicPr>
+          <p:cNvPr id="24" name="Picture 4"/>
+          <p:cNvPicPr>
+            <a:picLocks noChangeAspect="1" noChangeArrowheads="1"/>
+          </p:cNvPicPr>
+          <p:nvPr/>
+        </p:nvPicPr>
+        <p:blipFill>
+          <a:blip r:embed="rId4"/>
+          <a:srcRect/>
+          <a:stretch>
+            <a:fillRect/>
+          </a:stretch>
+        </p:blipFill>
+        <p:spPr bwMode="auto">
+          <a:xfrm rot="10800000">
+            <a:off x="4079024" y="980729"/>
+            <a:ext cx="485775" cy="76200"/>
+          </a:xfrm>
+          <a:prstGeom prst="rect">
+            <a:avLst/>
+          </a:prstGeom>
+          <a:noFill/>
+          <a:ln w="9525">
+            <a:noFill/>
+            <a:miter lim="800000"/>
+            <a:headEnd/>
+            <a:tailEnd/>
+          </a:ln>
+        </p:spPr>
+      </p:pic>
+      <p:pic>
+        <p:nvPicPr>
+          <p:cNvPr id="25" name="Picture 5"/>
+          <p:cNvPicPr>
+            <a:picLocks noChangeAspect="1" noChangeArrowheads="1"/>
+          </p:cNvPicPr>
+          <p:nvPr/>
+        </p:nvPicPr>
+        <p:blipFill>
+          <a:blip r:embed="rId4"/>
+          <a:srcRect/>
+          <a:stretch>
+            <a:fillRect/>
+          </a:stretch>
+        </p:blipFill>
+        <p:spPr bwMode="auto">
+          <a:xfrm>
+            <a:off x="4060743" y="1052736"/>
+            <a:ext cx="485775" cy="76200"/>
+          </a:xfrm>
+          <a:prstGeom prst="rect">
+            <a:avLst/>
+          </a:prstGeom>
+          <a:noFill/>
+          <a:ln w="9525">
+            <a:noFill/>
+            <a:miter lim="800000"/>
+            <a:headEnd/>
+            <a:tailEnd/>
+          </a:ln>
+        </p:spPr>
+      </p:pic>
+      <p:pic>
+        <p:nvPicPr>
+          <p:cNvPr id="26" name="Picture 3"/>
+          <p:cNvPicPr>
+            <a:picLocks noChangeAspect="1" noChangeArrowheads="1"/>
+          </p:cNvPicPr>
+          <p:nvPr/>
+        </p:nvPicPr>
+        <p:blipFill>
+          <a:blip r:embed="rId3"/>
+          <a:srcRect/>
+          <a:stretch>
+            <a:fillRect/>
+          </a:stretch>
+        </p:blipFill>
+        <p:spPr bwMode="auto">
+          <a:xfrm>
+            <a:off x="1619673" y="1628800"/>
+            <a:ext cx="1231337" cy="288032"/>
+          </a:xfrm>
+          <a:prstGeom prst="rect">
+            <a:avLst/>
+          </a:prstGeom>
+          <a:noFill/>
+          <a:ln w="9525">
+            <a:noFill/>
+            <a:miter lim="800000"/>
+            <a:headEnd/>
+            <a:tailEnd/>
+          </a:ln>
+        </p:spPr>
+      </p:pic>
+      <p:pic>
+        <p:nvPicPr>
+          <p:cNvPr id="27" name="Picture 4"/>
+          <p:cNvPicPr>
+            <a:picLocks noChangeAspect="1" noChangeArrowheads="1"/>
+          </p:cNvPicPr>
+          <p:nvPr/>
+        </p:nvPicPr>
+        <p:blipFill>
+          <a:blip r:embed="rId4"/>
+          <a:srcRect/>
+          <a:stretch>
+            <a:fillRect/>
+          </a:stretch>
+        </p:blipFill>
+        <p:spPr bwMode="auto">
+          <a:xfrm rot="10800000">
+            <a:off x="1259633" y="1772816"/>
+            <a:ext cx="485775" cy="76200"/>
+          </a:xfrm>
+          <a:prstGeom prst="rect">
+            <a:avLst/>
+          </a:prstGeom>
+          <a:noFill/>
+          <a:ln w="9525">
+            <a:noFill/>
+            <a:miter lim="800000"/>
+            <a:headEnd/>
+            <a:tailEnd/>
+          </a:ln>
+        </p:spPr>
+      </p:pic>
+      <p:pic>
+        <p:nvPicPr>
+          <p:cNvPr id="28" name="Picture 3"/>
+          <p:cNvPicPr>
+            <a:picLocks noChangeAspect="1" noChangeArrowheads="1"/>
+          </p:cNvPicPr>
+          <p:nvPr/>
+        </p:nvPicPr>
+        <p:blipFill>
+          <a:blip r:embed="rId3"/>
+          <a:srcRect/>
+          <a:stretch>
+            <a:fillRect/>
+          </a:stretch>
+        </p:blipFill>
+        <p:spPr bwMode="auto">
+          <a:xfrm>
+            <a:off x="3059833" y="1628800"/>
+            <a:ext cx="1231337" cy="288032"/>
+          </a:xfrm>
+          <a:prstGeom prst="rect">
+            <a:avLst/>
+          </a:prstGeom>
+          <a:noFill/>
+          <a:ln w="9525">
+            <a:noFill/>
+            <a:miter lim="800000"/>
+            <a:headEnd/>
+            <a:tailEnd/>
+          </a:ln>
+        </p:spPr>
+      </p:pic>
+      <p:pic>
+        <p:nvPicPr>
+          <p:cNvPr id="29" name="Picture 4"/>
+          <p:cNvPicPr>
+            <a:picLocks noChangeAspect="1" noChangeArrowheads="1"/>
+          </p:cNvPicPr>
+          <p:nvPr/>
+        </p:nvPicPr>
+        <p:blipFill>
+          <a:blip r:embed="rId4"/>
+          <a:srcRect/>
+          <a:stretch>
+            <a:fillRect/>
+          </a:stretch>
+        </p:blipFill>
+        <p:spPr bwMode="auto">
+          <a:xfrm rot="10800000">
+            <a:off x="2646066" y="1700809"/>
+            <a:ext cx="485775" cy="76200"/>
+          </a:xfrm>
+          <a:prstGeom prst="rect">
+            <a:avLst/>
+          </a:prstGeom>
+          <a:noFill/>
+          <a:ln w="9525">
+            <a:noFill/>
+            <a:miter lim="800000"/>
+            <a:headEnd/>
+            <a:tailEnd/>
+          </a:ln>
+        </p:spPr>
+      </p:pic>
+      <p:pic>
+        <p:nvPicPr>
+          <p:cNvPr id="30" name="Picture 5"/>
+          <p:cNvPicPr>
+            <a:picLocks noChangeAspect="1" noChangeArrowheads="1"/>
+          </p:cNvPicPr>
+          <p:nvPr/>
+        </p:nvPicPr>
+        <p:blipFill>
+          <a:blip r:embed="rId4"/>
+          <a:srcRect/>
+          <a:stretch>
+            <a:fillRect/>
+          </a:stretch>
+        </p:blipFill>
+        <p:spPr bwMode="auto">
+          <a:xfrm>
+            <a:off x="2627785" y="1772816"/>
+            <a:ext cx="485775" cy="76200"/>
+          </a:xfrm>
+          <a:prstGeom prst="rect">
+            <a:avLst/>
+          </a:prstGeom>
+          <a:noFill/>
+          <a:ln w="9525">
+            <a:noFill/>
+            <a:miter lim="800000"/>
+            <a:headEnd/>
+            <a:tailEnd/>
+          </a:ln>
+        </p:spPr>
+      </p:pic>
+      <p:pic>
+        <p:nvPicPr>
+          <p:cNvPr id="31" name="Picture 3"/>
+          <p:cNvPicPr>
+            <a:picLocks noChangeAspect="1" noChangeArrowheads="1"/>
+          </p:cNvPicPr>
+          <p:nvPr/>
+        </p:nvPicPr>
+        <p:blipFill>
+          <a:blip r:embed="rId3"/>
+          <a:srcRect/>
+          <a:stretch>
+            <a:fillRect/>
+          </a:stretch>
+        </p:blipFill>
+        <p:spPr bwMode="auto">
+          <a:xfrm>
+            <a:off x="4492792" y="1628800"/>
+            <a:ext cx="1231337" cy="288032"/>
+          </a:xfrm>
+          <a:prstGeom prst="rect">
+            <a:avLst/>
+          </a:prstGeom>
+          <a:noFill/>
+          <a:ln w="9525">
+            <a:noFill/>
+            <a:miter lim="800000"/>
+            <a:headEnd/>
+            <a:tailEnd/>
+          </a:ln>
+        </p:spPr>
+      </p:pic>
+      <p:pic>
+        <p:nvPicPr>
+          <p:cNvPr id="32" name="Picture 4"/>
+          <p:cNvPicPr>
+            <a:picLocks noChangeAspect="1" noChangeArrowheads="1"/>
+          </p:cNvPicPr>
+          <p:nvPr/>
+        </p:nvPicPr>
+        <p:blipFill>
+          <a:blip r:embed="rId4"/>
+          <a:srcRect/>
+          <a:stretch>
+            <a:fillRect/>
+          </a:stretch>
+        </p:blipFill>
+        <p:spPr bwMode="auto">
+          <a:xfrm rot="10800000">
+            <a:off x="4079025" y="1700809"/>
+            <a:ext cx="485775" cy="76200"/>
+          </a:xfrm>
+          <a:prstGeom prst="rect">
+            <a:avLst/>
+          </a:prstGeom>
+          <a:noFill/>
+          <a:ln w="9525">
+            <a:noFill/>
+            <a:miter lim="800000"/>
+            <a:headEnd/>
+            <a:tailEnd/>
+          </a:ln>
+        </p:spPr>
+      </p:pic>
+      <p:pic>
+        <p:nvPicPr>
+          <p:cNvPr id="33" name="Picture 5"/>
+          <p:cNvPicPr>
+            <a:picLocks noChangeAspect="1" noChangeArrowheads="1"/>
+          </p:cNvPicPr>
+          <p:nvPr/>
+        </p:nvPicPr>
+        <p:blipFill>
+          <a:blip r:embed="rId4"/>
+          <a:srcRect/>
+          <a:stretch>
+            <a:fillRect/>
+          </a:stretch>
+        </p:blipFill>
+        <p:spPr bwMode="auto">
+          <a:xfrm>
+            <a:off x="4060744" y="1772816"/>
+            <a:ext cx="485775" cy="76200"/>
+          </a:xfrm>
+          <a:prstGeom prst="rect">
+            <a:avLst/>
+          </a:prstGeom>
+          <a:noFill/>
+          <a:ln w="9525">
+            <a:noFill/>
+            <a:miter lim="800000"/>
+            <a:headEnd/>
+            <a:tailEnd/>
+          </a:ln>
+        </p:spPr>
+      </p:pic>
+      <p:pic>
+        <p:nvPicPr>
+          <p:cNvPr id="34" name="Picture 3"/>
+          <p:cNvPicPr>
+            <a:picLocks noChangeAspect="1" noChangeArrowheads="1"/>
+          </p:cNvPicPr>
+          <p:nvPr/>
+        </p:nvPicPr>
+        <p:blipFill>
+          <a:blip r:embed="rId3"/>
+          <a:srcRect/>
+          <a:stretch>
+            <a:fillRect/>
+          </a:stretch>
+        </p:blipFill>
+        <p:spPr bwMode="auto">
+          <a:xfrm>
+            <a:off x="1619673" y="2276872"/>
+            <a:ext cx="1231337" cy="288032"/>
+          </a:xfrm>
+          <a:prstGeom prst="rect">
+            <a:avLst/>
+          </a:prstGeom>
+          <a:noFill/>
+          <a:ln w="9525">
+            <a:noFill/>
+            <a:miter lim="800000"/>
+            <a:headEnd/>
+            <a:tailEnd/>
+          </a:ln>
+        </p:spPr>
+      </p:pic>
+      <p:pic>
+        <p:nvPicPr>
+          <p:cNvPr id="35" name="Picture 4"/>
+          <p:cNvPicPr>
+            <a:picLocks noChangeAspect="1" noChangeArrowheads="1"/>
+          </p:cNvPicPr>
+          <p:nvPr/>
+        </p:nvPicPr>
+        <p:blipFill>
+          <a:blip r:embed="rId4"/>
+          <a:srcRect/>
+          <a:stretch>
+            <a:fillRect/>
+          </a:stretch>
+        </p:blipFill>
+        <p:spPr bwMode="auto">
+          <a:xfrm rot="10800000">
+            <a:off x="1259633" y="2420888"/>
+            <a:ext cx="485775" cy="76200"/>
+          </a:xfrm>
+          <a:prstGeom prst="rect">
+            <a:avLst/>
+          </a:prstGeom>
+          <a:noFill/>
+          <a:ln w="9525">
+            <a:noFill/>
+            <a:miter lim="800000"/>
+            <a:headEnd/>
+            <a:tailEnd/>
+          </a:ln>
+        </p:spPr>
+      </p:pic>
+      <p:pic>
+        <p:nvPicPr>
+          <p:cNvPr id="36" name="Picture 3"/>
+          <p:cNvPicPr>
+            <a:picLocks noChangeAspect="1" noChangeArrowheads="1"/>
+          </p:cNvPicPr>
+          <p:nvPr/>
+        </p:nvPicPr>
+        <p:blipFill>
+          <a:blip r:embed="rId3"/>
+          <a:srcRect/>
+          <a:stretch>
+            <a:fillRect/>
+          </a:stretch>
+        </p:blipFill>
+        <p:spPr bwMode="auto">
+          <a:xfrm>
+            <a:off x="3059833" y="2276872"/>
+            <a:ext cx="1231337" cy="288032"/>
+          </a:xfrm>
+          <a:prstGeom prst="rect">
+            <a:avLst/>
+          </a:prstGeom>
+          <a:noFill/>
+          <a:ln w="9525">
+            <a:noFill/>
+            <a:miter lim="800000"/>
+            <a:headEnd/>
+            <a:tailEnd/>
+          </a:ln>
+        </p:spPr>
+      </p:pic>
+      <p:pic>
+        <p:nvPicPr>
+          <p:cNvPr id="37" name="Picture 4"/>
+          <p:cNvPicPr>
+            <a:picLocks noChangeAspect="1" noChangeArrowheads="1"/>
+          </p:cNvPicPr>
+          <p:nvPr/>
+        </p:nvPicPr>
+        <p:blipFill>
+          <a:blip r:embed="rId4"/>
+          <a:srcRect/>
+          <a:stretch>
+            <a:fillRect/>
+          </a:stretch>
+        </p:blipFill>
+        <p:spPr bwMode="auto">
+          <a:xfrm rot="10800000">
+            <a:off x="2646066" y="2348881"/>
+            <a:ext cx="485775" cy="76200"/>
+          </a:xfrm>
+          <a:prstGeom prst="rect">
+            <a:avLst/>
+          </a:prstGeom>
+          <a:noFill/>
+          <a:ln w="9525">
+            <a:noFill/>
+            <a:miter lim="800000"/>
+            <a:headEnd/>
+            <a:tailEnd/>
+          </a:ln>
+        </p:spPr>
+      </p:pic>
+      <p:pic>
+        <p:nvPicPr>
+          <p:cNvPr id="38" name="Picture 5"/>
+          <p:cNvPicPr>
+            <a:picLocks noChangeAspect="1" noChangeArrowheads="1"/>
+          </p:cNvPicPr>
+          <p:nvPr/>
+        </p:nvPicPr>
+        <p:blipFill>
+          <a:blip r:embed="rId4"/>
+          <a:srcRect/>
+          <a:stretch>
+            <a:fillRect/>
+          </a:stretch>
+        </p:blipFill>
+        <p:spPr bwMode="auto">
+          <a:xfrm>
+            <a:off x="2627785" y="2420888"/>
+            <a:ext cx="485775" cy="76200"/>
+          </a:xfrm>
+          <a:prstGeom prst="rect">
+            <a:avLst/>
+          </a:prstGeom>
+          <a:noFill/>
+          <a:ln w="9525">
+            <a:noFill/>
+            <a:miter lim="800000"/>
+            <a:headEnd/>
+            <a:tailEnd/>
+          </a:ln>
+        </p:spPr>
+      </p:pic>
+      <p:pic>
+        <p:nvPicPr>
+          <p:cNvPr id="39" name="Picture 3"/>
+          <p:cNvPicPr>
+            <a:picLocks noChangeAspect="1" noChangeArrowheads="1"/>
+          </p:cNvPicPr>
+          <p:nvPr/>
+        </p:nvPicPr>
+        <p:blipFill>
+          <a:blip r:embed="rId3"/>
+          <a:srcRect/>
+          <a:stretch>
+            <a:fillRect/>
+          </a:stretch>
+        </p:blipFill>
+        <p:spPr bwMode="auto">
+          <a:xfrm>
+            <a:off x="4492792" y="2276872"/>
+            <a:ext cx="1231337" cy="288032"/>
+          </a:xfrm>
+          <a:prstGeom prst="rect">
+            <a:avLst/>
+          </a:prstGeom>
+          <a:noFill/>
+          <a:ln w="9525">
+            <a:noFill/>
+            <a:miter lim="800000"/>
+            <a:headEnd/>
+            <a:tailEnd/>
+          </a:ln>
+        </p:spPr>
+      </p:pic>
+      <p:pic>
+        <p:nvPicPr>
+          <p:cNvPr id="40" name="Picture 4"/>
+          <p:cNvPicPr>
+            <a:picLocks noChangeAspect="1" noChangeArrowheads="1"/>
+          </p:cNvPicPr>
+          <p:nvPr/>
+        </p:nvPicPr>
+        <p:blipFill>
+          <a:blip r:embed="rId4"/>
+          <a:srcRect/>
+          <a:stretch>
+            <a:fillRect/>
+          </a:stretch>
+        </p:blipFill>
+        <p:spPr bwMode="auto">
+          <a:xfrm rot="10800000">
+            <a:off x="4079025" y="2348881"/>
+            <a:ext cx="485775" cy="76200"/>
+          </a:xfrm>
+          <a:prstGeom prst="rect">
+            <a:avLst/>
+          </a:prstGeom>
+          <a:noFill/>
+          <a:ln w="9525">
+            <a:noFill/>
+            <a:miter lim="800000"/>
+            <a:headEnd/>
+            <a:tailEnd/>
+          </a:ln>
+        </p:spPr>
+      </p:pic>
+      <p:pic>
+        <p:nvPicPr>
+          <p:cNvPr id="41" name="Picture 5"/>
+          <p:cNvPicPr>
+            <a:picLocks noChangeAspect="1" noChangeArrowheads="1"/>
+          </p:cNvPicPr>
+          <p:nvPr/>
+        </p:nvPicPr>
+        <p:blipFill>
+          <a:blip r:embed="rId4"/>
+          <a:srcRect/>
+          <a:stretch>
+            <a:fillRect/>
+          </a:stretch>
+        </p:blipFill>
+        <p:spPr bwMode="auto">
+          <a:xfrm>
+            <a:off x="4060744" y="2420888"/>
+            <a:ext cx="485775" cy="76200"/>
+          </a:xfrm>
+          <a:prstGeom prst="rect">
+            <a:avLst/>
+          </a:prstGeom>
+          <a:noFill/>
+          <a:ln w="9525">
+            <a:noFill/>
+            <a:miter lim="800000"/>
+            <a:headEnd/>
+            <a:tailEnd/>
+          </a:ln>
+        </p:spPr>
+      </p:pic>
     </p:spTree>
   </p:cSld>
   <p:clrMapOvr>

--- a/book/images/chapt06/zend-memory-manager.pptx
+++ b/book/images/chapt06/zend-memory-manager.pptx
@@ -194,7 +194,7 @@
             <a:fld id="{58B216FC-46AC-48B5-9BDA-6EC69BBFD050}" type="datetimeFigureOut">
               <a:rPr lang="zh-CN" altLang="en-US" smtClean="0"/>
               <a:pPr/>
-              <a:t>2011-06-17</a:t>
+              <a:t>2011-06-19</a:t>
             </a:fld>
             <a:endParaRPr lang="zh-CN" altLang="en-US"/>
           </a:p>
@@ -542,6 +542,96 @@
 </p:notes>
 </file>
 
+<file path=ppt/notesSlides/notesSlide2.xml><?xml version="1.0" encoding="utf-8"?>
+<p:notes xmlns:a="http://schemas.openxmlformats.org/drawingml/2006/main" xmlns:r="http://schemas.openxmlformats.org/officeDocument/2006/relationships" xmlns:p="http://schemas.openxmlformats.org/presentationml/2006/main">
+  <p:cSld>
+    <p:spTree>
+      <p:nvGrpSpPr>
+        <p:cNvPr id="1" name=""/>
+        <p:cNvGrpSpPr/>
+        <p:nvPr/>
+      </p:nvGrpSpPr>
+      <p:grpSpPr>
+        <a:xfrm>
+          <a:off x="0" y="0"/>
+          <a:ext cx="0" cy="0"/>
+          <a:chOff x="0" y="0"/>
+          <a:chExt cx="0" cy="0"/>
+        </a:xfrm>
+      </p:grpSpPr>
+      <p:sp>
+        <p:nvSpPr>
+          <p:cNvPr id="2" name="Slide Image Placeholder 1"/>
+          <p:cNvSpPr>
+            <a:spLocks noGrp="1" noRot="1" noChangeAspect="1"/>
+          </p:cNvSpPr>
+          <p:nvPr>
+            <p:ph type="sldImg"/>
+          </p:nvPr>
+        </p:nvSpPr>
+        <p:spPr/>
+      </p:sp>
+      <p:sp>
+        <p:nvSpPr>
+          <p:cNvPr id="3" name="Notes Placeholder 2"/>
+          <p:cNvSpPr>
+            <a:spLocks noGrp="1"/>
+          </p:cNvSpPr>
+          <p:nvPr>
+            <p:ph type="body" idx="1"/>
+          </p:nvPr>
+        </p:nvSpPr>
+        <p:spPr/>
+        <p:txBody>
+          <a:bodyPr>
+            <a:normAutofit/>
+          </a:bodyPr>
+          <a:lstStyle/>
+          <a:p>
+            <a:r>
+              <a:rPr lang="en-US" altLang="zh-CN" dirty="0" err="1" smtClean="0"/>
+              <a:t>free_buckets</a:t>
+            </a:r>
+            <a:r>
+              <a:rPr lang="zh-CN" altLang="en-US" smtClean="0"/>
+              <a:t>列表</a:t>
+            </a:r>
+            <a:endParaRPr lang="zh-CN" altLang="en-US" dirty="0"/>
+          </a:p>
+        </p:txBody>
+      </p:sp>
+      <p:sp>
+        <p:nvSpPr>
+          <p:cNvPr id="4" name="Slide Number Placeholder 3"/>
+          <p:cNvSpPr>
+            <a:spLocks noGrp="1"/>
+          </p:cNvSpPr>
+          <p:nvPr>
+            <p:ph type="sldNum" sz="quarter" idx="10"/>
+          </p:nvPr>
+        </p:nvSpPr>
+        <p:spPr/>
+        <p:txBody>
+          <a:bodyPr/>
+          <a:lstStyle/>
+          <a:p>
+            <a:fld id="{989AF4F5-FE5E-48BE-8F27-DB34FBCC3C5E}" type="slidenum">
+              <a:rPr lang="zh-CN" altLang="en-US" smtClean="0"/>
+              <a:pPr/>
+              <a:t>2</a:t>
+            </a:fld>
+            <a:endParaRPr lang="zh-CN" altLang="en-US"/>
+          </a:p>
+        </p:txBody>
+      </p:sp>
+    </p:spTree>
+  </p:cSld>
+  <p:clrMapOvr>
+    <a:masterClrMapping/>
+  </p:clrMapOvr>
+</p:notes>
+</file>
+
 <file path=ppt/slideLayouts/slideLayout1.xml><?xml version="1.0" encoding="utf-8"?>
 <p:sldLayout xmlns:a="http://schemas.openxmlformats.org/drawingml/2006/main" xmlns:r="http://schemas.openxmlformats.org/officeDocument/2006/relationships" xmlns:p="http://schemas.openxmlformats.org/presentationml/2006/main" type="title" preserve="1">
   <p:cSld name="标题幻灯片">
@@ -724,7 +814,7 @@
             <a:fld id="{530820CF-B880-4189-942D-D702A7CBA730}" type="datetimeFigureOut">
               <a:rPr lang="zh-CN" altLang="en-US" smtClean="0"/>
               <a:pPr/>
-              <a:t>2011-06-17</a:t>
+              <a:t>2011-06-19</a:t>
             </a:fld>
             <a:endParaRPr lang="zh-CN" altLang="en-US"/>
           </a:p>
@@ -891,7 +981,7 @@
             <a:fld id="{530820CF-B880-4189-942D-D702A7CBA730}" type="datetimeFigureOut">
               <a:rPr lang="zh-CN" altLang="en-US" smtClean="0"/>
               <a:pPr/>
-              <a:t>2011-06-17</a:t>
+              <a:t>2011-06-19</a:t>
             </a:fld>
             <a:endParaRPr lang="zh-CN" altLang="en-US"/>
           </a:p>
@@ -1068,7 +1158,7 @@
             <a:fld id="{530820CF-B880-4189-942D-D702A7CBA730}" type="datetimeFigureOut">
               <a:rPr lang="zh-CN" altLang="en-US" smtClean="0"/>
               <a:pPr/>
-              <a:t>2011-06-17</a:t>
+              <a:t>2011-06-19</a:t>
             </a:fld>
             <a:endParaRPr lang="zh-CN" altLang="en-US"/>
           </a:p>
@@ -1235,7 +1325,7 @@
             <a:fld id="{530820CF-B880-4189-942D-D702A7CBA730}" type="datetimeFigureOut">
               <a:rPr lang="zh-CN" altLang="en-US" smtClean="0"/>
               <a:pPr/>
-              <a:t>2011-06-17</a:t>
+              <a:t>2011-06-19</a:t>
             </a:fld>
             <a:endParaRPr lang="zh-CN" altLang="en-US"/>
           </a:p>
@@ -1478,7 +1568,7 @@
             <a:fld id="{530820CF-B880-4189-942D-D702A7CBA730}" type="datetimeFigureOut">
               <a:rPr lang="zh-CN" altLang="en-US" smtClean="0"/>
               <a:pPr/>
-              <a:t>2011-06-17</a:t>
+              <a:t>2011-06-19</a:t>
             </a:fld>
             <a:endParaRPr lang="zh-CN" altLang="en-US"/>
           </a:p>
@@ -1763,7 +1853,7 @@
             <a:fld id="{530820CF-B880-4189-942D-D702A7CBA730}" type="datetimeFigureOut">
               <a:rPr lang="zh-CN" altLang="en-US" smtClean="0"/>
               <a:pPr/>
-              <a:t>2011-06-17</a:t>
+              <a:t>2011-06-19</a:t>
             </a:fld>
             <a:endParaRPr lang="zh-CN" altLang="en-US"/>
           </a:p>
@@ -2182,7 +2272,7 @@
             <a:fld id="{530820CF-B880-4189-942D-D702A7CBA730}" type="datetimeFigureOut">
               <a:rPr lang="zh-CN" altLang="en-US" smtClean="0"/>
               <a:pPr/>
-              <a:t>2011-06-17</a:t>
+              <a:t>2011-06-19</a:t>
             </a:fld>
             <a:endParaRPr lang="zh-CN" altLang="en-US"/>
           </a:p>
@@ -2297,7 +2387,7 @@
             <a:fld id="{530820CF-B880-4189-942D-D702A7CBA730}" type="datetimeFigureOut">
               <a:rPr lang="zh-CN" altLang="en-US" smtClean="0"/>
               <a:pPr/>
-              <a:t>2011-06-17</a:t>
+              <a:t>2011-06-19</a:t>
             </a:fld>
             <a:endParaRPr lang="zh-CN" altLang="en-US"/>
           </a:p>
@@ -2389,7 +2479,7 @@
             <a:fld id="{530820CF-B880-4189-942D-D702A7CBA730}" type="datetimeFigureOut">
               <a:rPr lang="zh-CN" altLang="en-US" smtClean="0"/>
               <a:pPr/>
-              <a:t>2011-06-17</a:t>
+              <a:t>2011-06-19</a:t>
             </a:fld>
             <a:endParaRPr lang="zh-CN" altLang="en-US"/>
           </a:p>
@@ -2663,7 +2753,7 @@
             <a:fld id="{530820CF-B880-4189-942D-D702A7CBA730}" type="datetimeFigureOut">
               <a:rPr lang="zh-CN" altLang="en-US" smtClean="0"/>
               <a:pPr/>
-              <a:t>2011-06-17</a:t>
+              <a:t>2011-06-19</a:t>
             </a:fld>
             <a:endParaRPr lang="zh-CN" altLang="en-US"/>
           </a:p>
@@ -2913,7 +3003,7 @@
             <a:fld id="{530820CF-B880-4189-942D-D702A7CBA730}" type="datetimeFigureOut">
               <a:rPr lang="zh-CN" altLang="en-US" smtClean="0"/>
               <a:pPr/>
-              <a:t>2011-06-17</a:t>
+              <a:t>2011-06-19</a:t>
             </a:fld>
             <a:endParaRPr lang="zh-CN" altLang="en-US"/>
           </a:p>
@@ -3123,7 +3213,7 @@
             <a:fld id="{530820CF-B880-4189-942D-D702A7CBA730}" type="datetimeFigureOut">
               <a:rPr lang="zh-CN" altLang="en-US" smtClean="0"/>
               <a:pPr/>
-              <a:t>2011-06-17</a:t>
+              <a:t>2011-06-19</a:t>
             </a:fld>
             <a:endParaRPr lang="zh-CN" altLang="en-US"/>
           </a:p>
@@ -4318,7 +4408,7 @@
           <p:nvPr/>
         </p:nvPicPr>
         <p:blipFill>
-          <a:blip r:embed="rId2"/>
+          <a:blip r:embed="rId3"/>
           <a:srcRect/>
           <a:stretch>
             <a:fillRect/>
@@ -4344,6 +4434,774 @@
       <p:pic>
         <p:nvPicPr>
           <p:cNvPr id="1027" name="Picture 3"/>
+          <p:cNvPicPr>
+            <a:picLocks noChangeAspect="1" noChangeArrowheads="1"/>
+          </p:cNvPicPr>
+          <p:nvPr/>
+        </p:nvPicPr>
+        <p:blipFill>
+          <a:blip r:embed="rId4"/>
+          <a:srcRect/>
+          <a:stretch>
+            <a:fillRect/>
+          </a:stretch>
+        </p:blipFill>
+        <p:spPr bwMode="auto">
+          <a:xfrm>
+            <a:off x="1619672" y="908720"/>
+            <a:ext cx="1231337" cy="288032"/>
+          </a:xfrm>
+          <a:prstGeom prst="rect">
+            <a:avLst/>
+          </a:prstGeom>
+          <a:noFill/>
+          <a:ln w="9525">
+            <a:noFill/>
+            <a:miter lim="800000"/>
+            <a:headEnd/>
+            <a:tailEnd/>
+          </a:ln>
+        </p:spPr>
+      </p:pic>
+      <p:pic>
+        <p:nvPicPr>
+          <p:cNvPr id="1028" name="Picture 4"/>
+          <p:cNvPicPr>
+            <a:picLocks noChangeAspect="1" noChangeArrowheads="1"/>
+          </p:cNvPicPr>
+          <p:nvPr/>
+        </p:nvPicPr>
+        <p:blipFill>
+          <a:blip r:embed="rId5"/>
+          <a:srcRect/>
+          <a:stretch>
+            <a:fillRect/>
+          </a:stretch>
+        </p:blipFill>
+        <p:spPr bwMode="auto">
+          <a:xfrm rot="10800000">
+            <a:off x="1259632" y="1052736"/>
+            <a:ext cx="485775" cy="76200"/>
+          </a:xfrm>
+          <a:prstGeom prst="rect">
+            <a:avLst/>
+          </a:prstGeom>
+          <a:noFill/>
+          <a:ln w="9525">
+            <a:noFill/>
+            <a:miter lim="800000"/>
+            <a:headEnd/>
+            <a:tailEnd/>
+          </a:ln>
+        </p:spPr>
+      </p:pic>
+      <p:pic>
+        <p:nvPicPr>
+          <p:cNvPr id="18" name="Picture 3"/>
+          <p:cNvPicPr>
+            <a:picLocks noChangeAspect="1" noChangeArrowheads="1"/>
+          </p:cNvPicPr>
+          <p:nvPr/>
+        </p:nvPicPr>
+        <p:blipFill>
+          <a:blip r:embed="rId4"/>
+          <a:srcRect/>
+          <a:stretch>
+            <a:fillRect/>
+          </a:stretch>
+        </p:blipFill>
+        <p:spPr bwMode="auto">
+          <a:xfrm>
+            <a:off x="3059832" y="908720"/>
+            <a:ext cx="1231337" cy="288032"/>
+          </a:xfrm>
+          <a:prstGeom prst="rect">
+            <a:avLst/>
+          </a:prstGeom>
+          <a:noFill/>
+          <a:ln w="9525">
+            <a:noFill/>
+            <a:miter lim="800000"/>
+            <a:headEnd/>
+            <a:tailEnd/>
+          </a:ln>
+        </p:spPr>
+      </p:pic>
+      <p:pic>
+        <p:nvPicPr>
+          <p:cNvPr id="20" name="Picture 4"/>
+          <p:cNvPicPr>
+            <a:picLocks noChangeAspect="1" noChangeArrowheads="1"/>
+          </p:cNvPicPr>
+          <p:nvPr/>
+        </p:nvPicPr>
+        <p:blipFill>
+          <a:blip r:embed="rId5"/>
+          <a:srcRect/>
+          <a:stretch>
+            <a:fillRect/>
+          </a:stretch>
+        </p:blipFill>
+        <p:spPr bwMode="auto">
+          <a:xfrm rot="10800000">
+            <a:off x="2646065" y="980729"/>
+            <a:ext cx="485775" cy="76200"/>
+          </a:xfrm>
+          <a:prstGeom prst="rect">
+            <a:avLst/>
+          </a:prstGeom>
+          <a:noFill/>
+          <a:ln w="9525">
+            <a:noFill/>
+            <a:miter lim="800000"/>
+            <a:headEnd/>
+            <a:tailEnd/>
+          </a:ln>
+        </p:spPr>
+      </p:pic>
+      <p:pic>
+        <p:nvPicPr>
+          <p:cNvPr id="1029" name="Picture 5"/>
+          <p:cNvPicPr>
+            <a:picLocks noChangeAspect="1" noChangeArrowheads="1"/>
+          </p:cNvPicPr>
+          <p:nvPr/>
+        </p:nvPicPr>
+        <p:blipFill>
+          <a:blip r:embed="rId5"/>
+          <a:srcRect/>
+          <a:stretch>
+            <a:fillRect/>
+          </a:stretch>
+        </p:blipFill>
+        <p:spPr bwMode="auto">
+          <a:xfrm>
+            <a:off x="2627784" y="1052736"/>
+            <a:ext cx="485775" cy="76200"/>
+          </a:xfrm>
+          <a:prstGeom prst="rect">
+            <a:avLst/>
+          </a:prstGeom>
+          <a:noFill/>
+          <a:ln w="9525">
+            <a:noFill/>
+            <a:miter lim="800000"/>
+            <a:headEnd/>
+            <a:tailEnd/>
+          </a:ln>
+        </p:spPr>
+      </p:pic>
+      <p:pic>
+        <p:nvPicPr>
+          <p:cNvPr id="23" name="Picture 3"/>
+          <p:cNvPicPr>
+            <a:picLocks noChangeAspect="1" noChangeArrowheads="1"/>
+          </p:cNvPicPr>
+          <p:nvPr/>
+        </p:nvPicPr>
+        <p:blipFill>
+          <a:blip r:embed="rId4"/>
+          <a:srcRect/>
+          <a:stretch>
+            <a:fillRect/>
+          </a:stretch>
+        </p:blipFill>
+        <p:spPr bwMode="auto">
+          <a:xfrm>
+            <a:off x="4492791" y="908720"/>
+            <a:ext cx="1231337" cy="288032"/>
+          </a:xfrm>
+          <a:prstGeom prst="rect">
+            <a:avLst/>
+          </a:prstGeom>
+          <a:noFill/>
+          <a:ln w="9525">
+            <a:noFill/>
+            <a:miter lim="800000"/>
+            <a:headEnd/>
+            <a:tailEnd/>
+          </a:ln>
+        </p:spPr>
+      </p:pic>
+      <p:pic>
+        <p:nvPicPr>
+          <p:cNvPr id="24" name="Picture 4"/>
+          <p:cNvPicPr>
+            <a:picLocks noChangeAspect="1" noChangeArrowheads="1"/>
+          </p:cNvPicPr>
+          <p:nvPr/>
+        </p:nvPicPr>
+        <p:blipFill>
+          <a:blip r:embed="rId5"/>
+          <a:srcRect/>
+          <a:stretch>
+            <a:fillRect/>
+          </a:stretch>
+        </p:blipFill>
+        <p:spPr bwMode="auto">
+          <a:xfrm rot="10800000">
+            <a:off x="4079024" y="980729"/>
+            <a:ext cx="485775" cy="76200"/>
+          </a:xfrm>
+          <a:prstGeom prst="rect">
+            <a:avLst/>
+          </a:prstGeom>
+          <a:noFill/>
+          <a:ln w="9525">
+            <a:noFill/>
+            <a:miter lim="800000"/>
+            <a:headEnd/>
+            <a:tailEnd/>
+          </a:ln>
+        </p:spPr>
+      </p:pic>
+      <p:pic>
+        <p:nvPicPr>
+          <p:cNvPr id="25" name="Picture 5"/>
+          <p:cNvPicPr>
+            <a:picLocks noChangeAspect="1" noChangeArrowheads="1"/>
+          </p:cNvPicPr>
+          <p:nvPr/>
+        </p:nvPicPr>
+        <p:blipFill>
+          <a:blip r:embed="rId5"/>
+          <a:srcRect/>
+          <a:stretch>
+            <a:fillRect/>
+          </a:stretch>
+        </p:blipFill>
+        <p:spPr bwMode="auto">
+          <a:xfrm>
+            <a:off x="4060743" y="1052736"/>
+            <a:ext cx="485775" cy="76200"/>
+          </a:xfrm>
+          <a:prstGeom prst="rect">
+            <a:avLst/>
+          </a:prstGeom>
+          <a:noFill/>
+          <a:ln w="9525">
+            <a:noFill/>
+            <a:miter lim="800000"/>
+            <a:headEnd/>
+            <a:tailEnd/>
+          </a:ln>
+        </p:spPr>
+      </p:pic>
+      <p:pic>
+        <p:nvPicPr>
+          <p:cNvPr id="26" name="Picture 3"/>
+          <p:cNvPicPr>
+            <a:picLocks noChangeAspect="1" noChangeArrowheads="1"/>
+          </p:cNvPicPr>
+          <p:nvPr/>
+        </p:nvPicPr>
+        <p:blipFill>
+          <a:blip r:embed="rId4"/>
+          <a:srcRect/>
+          <a:stretch>
+            <a:fillRect/>
+          </a:stretch>
+        </p:blipFill>
+        <p:spPr bwMode="auto">
+          <a:xfrm>
+            <a:off x="1619673" y="1628800"/>
+            <a:ext cx="1231337" cy="288032"/>
+          </a:xfrm>
+          <a:prstGeom prst="rect">
+            <a:avLst/>
+          </a:prstGeom>
+          <a:noFill/>
+          <a:ln w="9525">
+            <a:noFill/>
+            <a:miter lim="800000"/>
+            <a:headEnd/>
+            <a:tailEnd/>
+          </a:ln>
+        </p:spPr>
+      </p:pic>
+      <p:pic>
+        <p:nvPicPr>
+          <p:cNvPr id="27" name="Picture 4"/>
+          <p:cNvPicPr>
+            <a:picLocks noChangeAspect="1" noChangeArrowheads="1"/>
+          </p:cNvPicPr>
+          <p:nvPr/>
+        </p:nvPicPr>
+        <p:blipFill>
+          <a:blip r:embed="rId5"/>
+          <a:srcRect/>
+          <a:stretch>
+            <a:fillRect/>
+          </a:stretch>
+        </p:blipFill>
+        <p:spPr bwMode="auto">
+          <a:xfrm rot="10800000">
+            <a:off x="1259633" y="1772816"/>
+            <a:ext cx="485775" cy="76200"/>
+          </a:xfrm>
+          <a:prstGeom prst="rect">
+            <a:avLst/>
+          </a:prstGeom>
+          <a:noFill/>
+          <a:ln w="9525">
+            <a:noFill/>
+            <a:miter lim="800000"/>
+            <a:headEnd/>
+            <a:tailEnd/>
+          </a:ln>
+        </p:spPr>
+      </p:pic>
+      <p:pic>
+        <p:nvPicPr>
+          <p:cNvPr id="28" name="Picture 3"/>
+          <p:cNvPicPr>
+            <a:picLocks noChangeAspect="1" noChangeArrowheads="1"/>
+          </p:cNvPicPr>
+          <p:nvPr/>
+        </p:nvPicPr>
+        <p:blipFill>
+          <a:blip r:embed="rId4"/>
+          <a:srcRect/>
+          <a:stretch>
+            <a:fillRect/>
+          </a:stretch>
+        </p:blipFill>
+        <p:spPr bwMode="auto">
+          <a:xfrm>
+            <a:off x="3059833" y="1628800"/>
+            <a:ext cx="1231337" cy="288032"/>
+          </a:xfrm>
+          <a:prstGeom prst="rect">
+            <a:avLst/>
+          </a:prstGeom>
+          <a:noFill/>
+          <a:ln w="9525">
+            <a:noFill/>
+            <a:miter lim="800000"/>
+            <a:headEnd/>
+            <a:tailEnd/>
+          </a:ln>
+        </p:spPr>
+      </p:pic>
+      <p:pic>
+        <p:nvPicPr>
+          <p:cNvPr id="29" name="Picture 4"/>
+          <p:cNvPicPr>
+            <a:picLocks noChangeAspect="1" noChangeArrowheads="1"/>
+          </p:cNvPicPr>
+          <p:nvPr/>
+        </p:nvPicPr>
+        <p:blipFill>
+          <a:blip r:embed="rId5"/>
+          <a:srcRect/>
+          <a:stretch>
+            <a:fillRect/>
+          </a:stretch>
+        </p:blipFill>
+        <p:spPr bwMode="auto">
+          <a:xfrm rot="10800000">
+            <a:off x="2646066" y="1700809"/>
+            <a:ext cx="485775" cy="76200"/>
+          </a:xfrm>
+          <a:prstGeom prst="rect">
+            <a:avLst/>
+          </a:prstGeom>
+          <a:noFill/>
+          <a:ln w="9525">
+            <a:noFill/>
+            <a:miter lim="800000"/>
+            <a:headEnd/>
+            <a:tailEnd/>
+          </a:ln>
+        </p:spPr>
+      </p:pic>
+      <p:pic>
+        <p:nvPicPr>
+          <p:cNvPr id="30" name="Picture 5"/>
+          <p:cNvPicPr>
+            <a:picLocks noChangeAspect="1" noChangeArrowheads="1"/>
+          </p:cNvPicPr>
+          <p:nvPr/>
+        </p:nvPicPr>
+        <p:blipFill>
+          <a:blip r:embed="rId5"/>
+          <a:srcRect/>
+          <a:stretch>
+            <a:fillRect/>
+          </a:stretch>
+        </p:blipFill>
+        <p:spPr bwMode="auto">
+          <a:xfrm>
+            <a:off x="2627785" y="1772816"/>
+            <a:ext cx="485775" cy="76200"/>
+          </a:xfrm>
+          <a:prstGeom prst="rect">
+            <a:avLst/>
+          </a:prstGeom>
+          <a:noFill/>
+          <a:ln w="9525">
+            <a:noFill/>
+            <a:miter lim="800000"/>
+            <a:headEnd/>
+            <a:tailEnd/>
+          </a:ln>
+        </p:spPr>
+      </p:pic>
+      <p:pic>
+        <p:nvPicPr>
+          <p:cNvPr id="31" name="Picture 3"/>
+          <p:cNvPicPr>
+            <a:picLocks noChangeAspect="1" noChangeArrowheads="1"/>
+          </p:cNvPicPr>
+          <p:nvPr/>
+        </p:nvPicPr>
+        <p:blipFill>
+          <a:blip r:embed="rId4"/>
+          <a:srcRect/>
+          <a:stretch>
+            <a:fillRect/>
+          </a:stretch>
+        </p:blipFill>
+        <p:spPr bwMode="auto">
+          <a:xfrm>
+            <a:off x="4492792" y="1628800"/>
+            <a:ext cx="1231337" cy="288032"/>
+          </a:xfrm>
+          <a:prstGeom prst="rect">
+            <a:avLst/>
+          </a:prstGeom>
+          <a:noFill/>
+          <a:ln w="9525">
+            <a:noFill/>
+            <a:miter lim="800000"/>
+            <a:headEnd/>
+            <a:tailEnd/>
+          </a:ln>
+        </p:spPr>
+      </p:pic>
+      <p:pic>
+        <p:nvPicPr>
+          <p:cNvPr id="32" name="Picture 4"/>
+          <p:cNvPicPr>
+            <a:picLocks noChangeAspect="1" noChangeArrowheads="1"/>
+          </p:cNvPicPr>
+          <p:nvPr/>
+        </p:nvPicPr>
+        <p:blipFill>
+          <a:blip r:embed="rId5"/>
+          <a:srcRect/>
+          <a:stretch>
+            <a:fillRect/>
+          </a:stretch>
+        </p:blipFill>
+        <p:spPr bwMode="auto">
+          <a:xfrm rot="10800000">
+            <a:off x="4079025" y="1700809"/>
+            <a:ext cx="485775" cy="76200"/>
+          </a:xfrm>
+          <a:prstGeom prst="rect">
+            <a:avLst/>
+          </a:prstGeom>
+          <a:noFill/>
+          <a:ln w="9525">
+            <a:noFill/>
+            <a:miter lim="800000"/>
+            <a:headEnd/>
+            <a:tailEnd/>
+          </a:ln>
+        </p:spPr>
+      </p:pic>
+      <p:pic>
+        <p:nvPicPr>
+          <p:cNvPr id="33" name="Picture 5"/>
+          <p:cNvPicPr>
+            <a:picLocks noChangeAspect="1" noChangeArrowheads="1"/>
+          </p:cNvPicPr>
+          <p:nvPr/>
+        </p:nvPicPr>
+        <p:blipFill>
+          <a:blip r:embed="rId5"/>
+          <a:srcRect/>
+          <a:stretch>
+            <a:fillRect/>
+          </a:stretch>
+        </p:blipFill>
+        <p:spPr bwMode="auto">
+          <a:xfrm>
+            <a:off x="4060744" y="1772816"/>
+            <a:ext cx="485775" cy="76200"/>
+          </a:xfrm>
+          <a:prstGeom prst="rect">
+            <a:avLst/>
+          </a:prstGeom>
+          <a:noFill/>
+          <a:ln w="9525">
+            <a:noFill/>
+            <a:miter lim="800000"/>
+            <a:headEnd/>
+            <a:tailEnd/>
+          </a:ln>
+        </p:spPr>
+      </p:pic>
+      <p:pic>
+        <p:nvPicPr>
+          <p:cNvPr id="34" name="Picture 3"/>
+          <p:cNvPicPr>
+            <a:picLocks noChangeAspect="1" noChangeArrowheads="1"/>
+          </p:cNvPicPr>
+          <p:nvPr/>
+        </p:nvPicPr>
+        <p:blipFill>
+          <a:blip r:embed="rId4"/>
+          <a:srcRect/>
+          <a:stretch>
+            <a:fillRect/>
+          </a:stretch>
+        </p:blipFill>
+        <p:spPr bwMode="auto">
+          <a:xfrm>
+            <a:off x="1619673" y="2276872"/>
+            <a:ext cx="1231337" cy="288032"/>
+          </a:xfrm>
+          <a:prstGeom prst="rect">
+            <a:avLst/>
+          </a:prstGeom>
+          <a:noFill/>
+          <a:ln w="9525">
+            <a:noFill/>
+            <a:miter lim="800000"/>
+            <a:headEnd/>
+            <a:tailEnd/>
+          </a:ln>
+        </p:spPr>
+      </p:pic>
+      <p:pic>
+        <p:nvPicPr>
+          <p:cNvPr id="35" name="Picture 4"/>
+          <p:cNvPicPr>
+            <a:picLocks noChangeAspect="1" noChangeArrowheads="1"/>
+          </p:cNvPicPr>
+          <p:nvPr/>
+        </p:nvPicPr>
+        <p:blipFill>
+          <a:blip r:embed="rId5"/>
+          <a:srcRect/>
+          <a:stretch>
+            <a:fillRect/>
+          </a:stretch>
+        </p:blipFill>
+        <p:spPr bwMode="auto">
+          <a:xfrm rot="10800000">
+            <a:off x="1259633" y="2420888"/>
+            <a:ext cx="485775" cy="76200"/>
+          </a:xfrm>
+          <a:prstGeom prst="rect">
+            <a:avLst/>
+          </a:prstGeom>
+          <a:noFill/>
+          <a:ln w="9525">
+            <a:noFill/>
+            <a:miter lim="800000"/>
+            <a:headEnd/>
+            <a:tailEnd/>
+          </a:ln>
+        </p:spPr>
+      </p:pic>
+      <p:pic>
+        <p:nvPicPr>
+          <p:cNvPr id="36" name="Picture 3"/>
+          <p:cNvPicPr>
+            <a:picLocks noChangeAspect="1" noChangeArrowheads="1"/>
+          </p:cNvPicPr>
+          <p:nvPr/>
+        </p:nvPicPr>
+        <p:blipFill>
+          <a:blip r:embed="rId4"/>
+          <a:srcRect/>
+          <a:stretch>
+            <a:fillRect/>
+          </a:stretch>
+        </p:blipFill>
+        <p:spPr bwMode="auto">
+          <a:xfrm>
+            <a:off x="3059833" y="2276872"/>
+            <a:ext cx="1231337" cy="288032"/>
+          </a:xfrm>
+          <a:prstGeom prst="rect">
+            <a:avLst/>
+          </a:prstGeom>
+          <a:noFill/>
+          <a:ln w="9525">
+            <a:noFill/>
+            <a:miter lim="800000"/>
+            <a:headEnd/>
+            <a:tailEnd/>
+          </a:ln>
+        </p:spPr>
+      </p:pic>
+      <p:pic>
+        <p:nvPicPr>
+          <p:cNvPr id="37" name="Picture 4"/>
+          <p:cNvPicPr>
+            <a:picLocks noChangeAspect="1" noChangeArrowheads="1"/>
+          </p:cNvPicPr>
+          <p:nvPr/>
+        </p:nvPicPr>
+        <p:blipFill>
+          <a:blip r:embed="rId5"/>
+          <a:srcRect/>
+          <a:stretch>
+            <a:fillRect/>
+          </a:stretch>
+        </p:blipFill>
+        <p:spPr bwMode="auto">
+          <a:xfrm rot="10800000">
+            <a:off x="2646066" y="2348881"/>
+            <a:ext cx="485775" cy="76200"/>
+          </a:xfrm>
+          <a:prstGeom prst="rect">
+            <a:avLst/>
+          </a:prstGeom>
+          <a:noFill/>
+          <a:ln w="9525">
+            <a:noFill/>
+            <a:miter lim="800000"/>
+            <a:headEnd/>
+            <a:tailEnd/>
+          </a:ln>
+        </p:spPr>
+      </p:pic>
+      <p:pic>
+        <p:nvPicPr>
+          <p:cNvPr id="38" name="Picture 5"/>
+          <p:cNvPicPr>
+            <a:picLocks noChangeAspect="1" noChangeArrowheads="1"/>
+          </p:cNvPicPr>
+          <p:nvPr/>
+        </p:nvPicPr>
+        <p:blipFill>
+          <a:blip r:embed="rId5"/>
+          <a:srcRect/>
+          <a:stretch>
+            <a:fillRect/>
+          </a:stretch>
+        </p:blipFill>
+        <p:spPr bwMode="auto">
+          <a:xfrm>
+            <a:off x="2627785" y="2420888"/>
+            <a:ext cx="485775" cy="76200"/>
+          </a:xfrm>
+          <a:prstGeom prst="rect">
+            <a:avLst/>
+          </a:prstGeom>
+          <a:noFill/>
+          <a:ln w="9525">
+            <a:noFill/>
+            <a:miter lim="800000"/>
+            <a:headEnd/>
+            <a:tailEnd/>
+          </a:ln>
+        </p:spPr>
+      </p:pic>
+      <p:pic>
+        <p:nvPicPr>
+          <p:cNvPr id="39" name="Picture 3"/>
+          <p:cNvPicPr>
+            <a:picLocks noChangeAspect="1" noChangeArrowheads="1"/>
+          </p:cNvPicPr>
+          <p:nvPr/>
+        </p:nvPicPr>
+        <p:blipFill>
+          <a:blip r:embed="rId4"/>
+          <a:srcRect/>
+          <a:stretch>
+            <a:fillRect/>
+          </a:stretch>
+        </p:blipFill>
+        <p:spPr bwMode="auto">
+          <a:xfrm>
+            <a:off x="4492792" y="2276872"/>
+            <a:ext cx="1231337" cy="288032"/>
+          </a:xfrm>
+          <a:prstGeom prst="rect">
+            <a:avLst/>
+          </a:prstGeom>
+          <a:noFill/>
+          <a:ln w="9525">
+            <a:noFill/>
+            <a:miter lim="800000"/>
+            <a:headEnd/>
+            <a:tailEnd/>
+          </a:ln>
+        </p:spPr>
+      </p:pic>
+      <p:pic>
+        <p:nvPicPr>
+          <p:cNvPr id="40" name="Picture 4"/>
+          <p:cNvPicPr>
+            <a:picLocks noChangeAspect="1" noChangeArrowheads="1"/>
+          </p:cNvPicPr>
+          <p:nvPr/>
+        </p:nvPicPr>
+        <p:blipFill>
+          <a:blip r:embed="rId5"/>
+          <a:srcRect/>
+          <a:stretch>
+            <a:fillRect/>
+          </a:stretch>
+        </p:blipFill>
+        <p:spPr bwMode="auto">
+          <a:xfrm rot="10800000">
+            <a:off x="4079025" y="2348881"/>
+            <a:ext cx="485775" cy="76200"/>
+          </a:xfrm>
+          <a:prstGeom prst="rect">
+            <a:avLst/>
+          </a:prstGeom>
+          <a:noFill/>
+          <a:ln w="9525">
+            <a:noFill/>
+            <a:miter lim="800000"/>
+            <a:headEnd/>
+            <a:tailEnd/>
+          </a:ln>
+        </p:spPr>
+      </p:pic>
+      <p:pic>
+        <p:nvPicPr>
+          <p:cNvPr id="41" name="Picture 5"/>
+          <p:cNvPicPr>
+            <a:picLocks noChangeAspect="1" noChangeArrowheads="1"/>
+          </p:cNvPicPr>
+          <p:nvPr/>
+        </p:nvPicPr>
+        <p:blipFill>
+          <a:blip r:embed="rId5"/>
+          <a:srcRect/>
+          <a:stretch>
+            <a:fillRect/>
+          </a:stretch>
+        </p:blipFill>
+        <p:spPr bwMode="auto">
+          <a:xfrm>
+            <a:off x="4060744" y="2420888"/>
+            <a:ext cx="485775" cy="76200"/>
+          </a:xfrm>
+          <a:prstGeom prst="rect">
+            <a:avLst/>
+          </a:prstGeom>
+          <a:noFill/>
+          <a:ln w="9525">
+            <a:noFill/>
+            <a:miter lim="800000"/>
+            <a:headEnd/>
+            <a:tailEnd/>
+          </a:ln>
+        </p:spPr>
+      </p:pic>
+      <p:pic>
+        <p:nvPicPr>
+          <p:cNvPr id="42" name="Picture 2"/>
           <p:cNvPicPr>
             <a:picLocks noChangeAspect="1" noChangeArrowheads="1"/>
           </p:cNvPicPr>
@@ -4358,8 +5216,8 @@
         </p:blipFill>
         <p:spPr bwMode="auto">
           <a:xfrm>
-            <a:off x="1619672" y="908720"/>
-            <a:ext cx="1231337" cy="288032"/>
+            <a:off x="1187624" y="3564607"/>
+            <a:ext cx="190500" cy="1952625"/>
           </a:xfrm>
           <a:prstGeom prst="rect">
             <a:avLst/>
@@ -4375,7 +5233,7 @@
       </p:pic>
       <p:pic>
         <p:nvPicPr>
-          <p:cNvPr id="1028" name="Picture 4"/>
+          <p:cNvPr id="43" name="Picture 3"/>
           <p:cNvPicPr>
             <a:picLocks noChangeAspect="1" noChangeArrowheads="1"/>
           </p:cNvPicPr>
@@ -4389,9 +5247,9 @@
           </a:stretch>
         </p:blipFill>
         <p:spPr bwMode="auto">
-          <a:xfrm rot="10800000">
-            <a:off x="1259632" y="1052736"/>
-            <a:ext cx="485775" cy="76200"/>
+          <a:xfrm>
+            <a:off x="1619672" y="3717032"/>
+            <a:ext cx="1231337" cy="288032"/>
           </a:xfrm>
           <a:prstGeom prst="rect">
             <a:avLst/>
@@ -4407,23 +5265,23 @@
       </p:pic>
       <p:pic>
         <p:nvPicPr>
-          <p:cNvPr id="18" name="Picture 3"/>
+          <p:cNvPr id="44" name="Picture 4"/>
           <p:cNvPicPr>
             <a:picLocks noChangeAspect="1" noChangeArrowheads="1"/>
           </p:cNvPicPr>
           <p:nvPr/>
         </p:nvPicPr>
         <p:blipFill>
-          <a:blip r:embed="rId3"/>
+          <a:blip r:embed="rId5"/>
           <a:srcRect/>
           <a:stretch>
             <a:fillRect/>
           </a:stretch>
         </p:blipFill>
         <p:spPr bwMode="auto">
-          <a:xfrm>
-            <a:off x="3059832" y="908720"/>
-            <a:ext cx="1231337" cy="288032"/>
+          <a:xfrm rot="10800000">
+            <a:off x="1259632" y="3861048"/>
+            <a:ext cx="485775" cy="76200"/>
           </a:xfrm>
           <a:prstGeom prst="rect">
             <a:avLst/>
@@ -4439,7 +5297,7 @@
       </p:pic>
       <p:pic>
         <p:nvPicPr>
-          <p:cNvPr id="20" name="Picture 4"/>
+          <p:cNvPr id="45" name="Picture 3"/>
           <p:cNvPicPr>
             <a:picLocks noChangeAspect="1" noChangeArrowheads="1"/>
           </p:cNvPicPr>
@@ -4453,9 +5311,9 @@
           </a:stretch>
         </p:blipFill>
         <p:spPr bwMode="auto">
-          <a:xfrm rot="10800000">
-            <a:off x="2646065" y="980729"/>
-            <a:ext cx="485775" cy="76200"/>
+          <a:xfrm>
+            <a:off x="3059832" y="3717032"/>
+            <a:ext cx="1231337" cy="288032"/>
           </a:xfrm>
           <a:prstGeom prst="rect">
             <a:avLst/>
@@ -4471,7 +5329,71 @@
       </p:pic>
       <p:pic>
         <p:nvPicPr>
-          <p:cNvPr id="1029" name="Picture 5"/>
+          <p:cNvPr id="46" name="Picture 4"/>
+          <p:cNvPicPr>
+            <a:picLocks noChangeAspect="1" noChangeArrowheads="1"/>
+          </p:cNvPicPr>
+          <p:nvPr/>
+        </p:nvPicPr>
+        <p:blipFill>
+          <a:blip r:embed="rId5"/>
+          <a:srcRect/>
+          <a:stretch>
+            <a:fillRect/>
+          </a:stretch>
+        </p:blipFill>
+        <p:spPr bwMode="auto">
+          <a:xfrm rot="10800000">
+            <a:off x="2646065" y="3789041"/>
+            <a:ext cx="485775" cy="76200"/>
+          </a:xfrm>
+          <a:prstGeom prst="rect">
+            <a:avLst/>
+          </a:prstGeom>
+          <a:noFill/>
+          <a:ln w="9525">
+            <a:noFill/>
+            <a:miter lim="800000"/>
+            <a:headEnd/>
+            <a:tailEnd/>
+          </a:ln>
+        </p:spPr>
+      </p:pic>
+      <p:pic>
+        <p:nvPicPr>
+          <p:cNvPr id="47" name="Picture 5"/>
+          <p:cNvPicPr>
+            <a:picLocks noChangeAspect="1" noChangeArrowheads="1"/>
+          </p:cNvPicPr>
+          <p:nvPr/>
+        </p:nvPicPr>
+        <p:blipFill>
+          <a:blip r:embed="rId5"/>
+          <a:srcRect/>
+          <a:stretch>
+            <a:fillRect/>
+          </a:stretch>
+        </p:blipFill>
+        <p:spPr bwMode="auto">
+          <a:xfrm>
+            <a:off x="2627784" y="3861048"/>
+            <a:ext cx="485775" cy="76200"/>
+          </a:xfrm>
+          <a:prstGeom prst="rect">
+            <a:avLst/>
+          </a:prstGeom>
+          <a:noFill/>
+          <a:ln w="9525">
+            <a:noFill/>
+            <a:miter lim="800000"/>
+            <a:headEnd/>
+            <a:tailEnd/>
+          </a:ln>
+        </p:spPr>
+      </p:pic>
+      <p:pic>
+        <p:nvPicPr>
+          <p:cNvPr id="48" name="Picture 3"/>
           <p:cNvPicPr>
             <a:picLocks noChangeAspect="1" noChangeArrowheads="1"/>
           </p:cNvPicPr>
@@ -4486,8 +5408,8 @@
         </p:blipFill>
         <p:spPr bwMode="auto">
           <a:xfrm>
-            <a:off x="2627784" y="1052736"/>
-            <a:ext cx="485775" cy="76200"/>
+            <a:off x="4492791" y="3717032"/>
+            <a:ext cx="1231337" cy="288032"/>
           </a:xfrm>
           <a:prstGeom prst="rect">
             <a:avLst/>
@@ -4503,23 +5425,23 @@
       </p:pic>
       <p:pic>
         <p:nvPicPr>
-          <p:cNvPr id="23" name="Picture 3"/>
+          <p:cNvPr id="49" name="Picture 4"/>
           <p:cNvPicPr>
             <a:picLocks noChangeAspect="1" noChangeArrowheads="1"/>
           </p:cNvPicPr>
           <p:nvPr/>
         </p:nvPicPr>
         <p:blipFill>
-          <a:blip r:embed="rId3"/>
+          <a:blip r:embed="rId5"/>
           <a:srcRect/>
           <a:stretch>
             <a:fillRect/>
           </a:stretch>
         </p:blipFill>
         <p:spPr bwMode="auto">
-          <a:xfrm>
-            <a:off x="4492791" y="908720"/>
-            <a:ext cx="1231337" cy="288032"/>
+          <a:xfrm rot="10800000">
+            <a:off x="4079024" y="3789041"/>
+            <a:ext cx="485775" cy="76200"/>
           </a:xfrm>
           <a:prstGeom prst="rect">
             <a:avLst/>
@@ -4535,7 +5457,39 @@
       </p:pic>
       <p:pic>
         <p:nvPicPr>
-          <p:cNvPr id="24" name="Picture 4"/>
+          <p:cNvPr id="50" name="Picture 5"/>
+          <p:cNvPicPr>
+            <a:picLocks noChangeAspect="1" noChangeArrowheads="1"/>
+          </p:cNvPicPr>
+          <p:nvPr/>
+        </p:nvPicPr>
+        <p:blipFill>
+          <a:blip r:embed="rId5"/>
+          <a:srcRect/>
+          <a:stretch>
+            <a:fillRect/>
+          </a:stretch>
+        </p:blipFill>
+        <p:spPr bwMode="auto">
+          <a:xfrm>
+            <a:off x="4060743" y="3861048"/>
+            <a:ext cx="485775" cy="76200"/>
+          </a:xfrm>
+          <a:prstGeom prst="rect">
+            <a:avLst/>
+          </a:prstGeom>
+          <a:noFill/>
+          <a:ln w="9525">
+            <a:noFill/>
+            <a:miter lim="800000"/>
+            <a:headEnd/>
+            <a:tailEnd/>
+          </a:ln>
+        </p:spPr>
+      </p:pic>
+      <p:pic>
+        <p:nvPicPr>
+          <p:cNvPr id="51" name="Picture 3"/>
           <p:cNvPicPr>
             <a:picLocks noChangeAspect="1" noChangeArrowheads="1"/>
           </p:cNvPicPr>
@@ -4549,9 +5503,9 @@
           </a:stretch>
         </p:blipFill>
         <p:spPr bwMode="auto">
-          <a:xfrm rot="10800000">
-            <a:off x="4079024" y="980729"/>
-            <a:ext cx="485775" cy="76200"/>
+          <a:xfrm>
+            <a:off x="1619672" y="4437112"/>
+            <a:ext cx="1231337" cy="288032"/>
           </a:xfrm>
           <a:prstGeom prst="rect">
             <a:avLst/>
@@ -4567,7 +5521,39 @@
       </p:pic>
       <p:pic>
         <p:nvPicPr>
-          <p:cNvPr id="25" name="Picture 5"/>
+          <p:cNvPr id="52" name="Picture 4"/>
+          <p:cNvPicPr>
+            <a:picLocks noChangeAspect="1" noChangeArrowheads="1"/>
+          </p:cNvPicPr>
+          <p:nvPr/>
+        </p:nvPicPr>
+        <p:blipFill>
+          <a:blip r:embed="rId5"/>
+          <a:srcRect/>
+          <a:stretch>
+            <a:fillRect/>
+          </a:stretch>
+        </p:blipFill>
+        <p:spPr bwMode="auto">
+          <a:xfrm rot="10800000">
+            <a:off x="1259632" y="4581128"/>
+            <a:ext cx="485775" cy="76200"/>
+          </a:xfrm>
+          <a:prstGeom prst="rect">
+            <a:avLst/>
+          </a:prstGeom>
+          <a:noFill/>
+          <a:ln w="9525">
+            <a:noFill/>
+            <a:miter lim="800000"/>
+            <a:headEnd/>
+            <a:tailEnd/>
+          </a:ln>
+        </p:spPr>
+      </p:pic>
+      <p:pic>
+        <p:nvPicPr>
+          <p:cNvPr id="53" name="Picture 3"/>
           <p:cNvPicPr>
             <a:picLocks noChangeAspect="1" noChangeArrowheads="1"/>
           </p:cNvPicPr>
@@ -4582,8 +5568,8 @@
         </p:blipFill>
         <p:spPr bwMode="auto">
           <a:xfrm>
-            <a:off x="4060743" y="1052736"/>
-            <a:ext cx="485775" cy="76200"/>
+            <a:off x="3059832" y="4437112"/>
+            <a:ext cx="1231337" cy="288032"/>
           </a:xfrm>
           <a:prstGeom prst="rect">
             <a:avLst/>
@@ -4599,23 +5585,23 @@
       </p:pic>
       <p:pic>
         <p:nvPicPr>
-          <p:cNvPr id="26" name="Picture 3"/>
+          <p:cNvPr id="54" name="Picture 4"/>
           <p:cNvPicPr>
             <a:picLocks noChangeAspect="1" noChangeArrowheads="1"/>
           </p:cNvPicPr>
           <p:nvPr/>
         </p:nvPicPr>
         <p:blipFill>
-          <a:blip r:embed="rId3"/>
+          <a:blip r:embed="rId5"/>
           <a:srcRect/>
           <a:stretch>
             <a:fillRect/>
           </a:stretch>
         </p:blipFill>
         <p:spPr bwMode="auto">
-          <a:xfrm>
-            <a:off x="1619673" y="1628800"/>
-            <a:ext cx="1231337" cy="288032"/>
+          <a:xfrm rot="10800000">
+            <a:off x="2646065" y="4509121"/>
+            <a:ext cx="485775" cy="76200"/>
           </a:xfrm>
           <a:prstGeom prst="rect">
             <a:avLst/>
@@ -4631,7 +5617,39 @@
       </p:pic>
       <p:pic>
         <p:nvPicPr>
-          <p:cNvPr id="27" name="Picture 4"/>
+          <p:cNvPr id="55" name="Picture 5"/>
+          <p:cNvPicPr>
+            <a:picLocks noChangeAspect="1" noChangeArrowheads="1"/>
+          </p:cNvPicPr>
+          <p:nvPr/>
+        </p:nvPicPr>
+        <p:blipFill>
+          <a:blip r:embed="rId5"/>
+          <a:srcRect/>
+          <a:stretch>
+            <a:fillRect/>
+          </a:stretch>
+        </p:blipFill>
+        <p:spPr bwMode="auto">
+          <a:xfrm>
+            <a:off x="2627784" y="4581128"/>
+            <a:ext cx="485775" cy="76200"/>
+          </a:xfrm>
+          <a:prstGeom prst="rect">
+            <a:avLst/>
+          </a:prstGeom>
+          <a:noFill/>
+          <a:ln w="9525">
+            <a:noFill/>
+            <a:miter lim="800000"/>
+            <a:headEnd/>
+            <a:tailEnd/>
+          </a:ln>
+        </p:spPr>
+      </p:pic>
+      <p:pic>
+        <p:nvPicPr>
+          <p:cNvPr id="56" name="Picture 3"/>
           <p:cNvPicPr>
             <a:picLocks noChangeAspect="1" noChangeArrowheads="1"/>
           </p:cNvPicPr>
@@ -4645,9 +5663,9 @@
           </a:stretch>
         </p:blipFill>
         <p:spPr bwMode="auto">
-          <a:xfrm rot="10800000">
-            <a:off x="1259633" y="1772816"/>
-            <a:ext cx="485775" cy="76200"/>
+          <a:xfrm>
+            <a:off x="4492791" y="4437112"/>
+            <a:ext cx="1231337" cy="288032"/>
           </a:xfrm>
           <a:prstGeom prst="rect">
             <a:avLst/>
@@ -4663,23 +5681,23 @@
       </p:pic>
       <p:pic>
         <p:nvPicPr>
-          <p:cNvPr id="28" name="Picture 3"/>
+          <p:cNvPr id="57" name="Picture 4"/>
           <p:cNvPicPr>
             <a:picLocks noChangeAspect="1" noChangeArrowheads="1"/>
           </p:cNvPicPr>
           <p:nvPr/>
         </p:nvPicPr>
         <p:blipFill>
-          <a:blip r:embed="rId3"/>
+          <a:blip r:embed="rId5"/>
           <a:srcRect/>
           <a:stretch>
             <a:fillRect/>
           </a:stretch>
         </p:blipFill>
         <p:spPr bwMode="auto">
-          <a:xfrm>
-            <a:off x="3059833" y="1628800"/>
-            <a:ext cx="1231337" cy="288032"/>
+          <a:xfrm rot="10800000">
+            <a:off x="4079024" y="4509121"/>
+            <a:ext cx="485775" cy="76200"/>
           </a:xfrm>
           <a:prstGeom prst="rect">
             <a:avLst/>
@@ -4695,7 +5713,39 @@
       </p:pic>
       <p:pic>
         <p:nvPicPr>
-          <p:cNvPr id="29" name="Picture 4"/>
+          <p:cNvPr id="58" name="Picture 5"/>
+          <p:cNvPicPr>
+            <a:picLocks noChangeAspect="1" noChangeArrowheads="1"/>
+          </p:cNvPicPr>
+          <p:nvPr/>
+        </p:nvPicPr>
+        <p:blipFill>
+          <a:blip r:embed="rId5"/>
+          <a:srcRect/>
+          <a:stretch>
+            <a:fillRect/>
+          </a:stretch>
+        </p:blipFill>
+        <p:spPr bwMode="auto">
+          <a:xfrm>
+            <a:off x="4060743" y="4581128"/>
+            <a:ext cx="485775" cy="76200"/>
+          </a:xfrm>
+          <a:prstGeom prst="rect">
+            <a:avLst/>
+          </a:prstGeom>
+          <a:noFill/>
+          <a:ln w="9525">
+            <a:noFill/>
+            <a:miter lim="800000"/>
+            <a:headEnd/>
+            <a:tailEnd/>
+          </a:ln>
+        </p:spPr>
+      </p:pic>
+      <p:pic>
+        <p:nvPicPr>
+          <p:cNvPr id="59" name="Picture 3"/>
           <p:cNvPicPr>
             <a:picLocks noChangeAspect="1" noChangeArrowheads="1"/>
           </p:cNvPicPr>
@@ -4709,9 +5759,9 @@
           </a:stretch>
         </p:blipFill>
         <p:spPr bwMode="auto">
-          <a:xfrm rot="10800000">
-            <a:off x="2646066" y="1700809"/>
-            <a:ext cx="485775" cy="76200"/>
+          <a:xfrm>
+            <a:off x="1619672" y="5013176"/>
+            <a:ext cx="1231337" cy="288032"/>
           </a:xfrm>
           <a:prstGeom prst="rect">
             <a:avLst/>
@@ -4727,7 +5777,39 @@
       </p:pic>
       <p:pic>
         <p:nvPicPr>
-          <p:cNvPr id="30" name="Picture 5"/>
+          <p:cNvPr id="60" name="Picture 4"/>
+          <p:cNvPicPr>
+            <a:picLocks noChangeAspect="1" noChangeArrowheads="1"/>
+          </p:cNvPicPr>
+          <p:nvPr/>
+        </p:nvPicPr>
+        <p:blipFill>
+          <a:blip r:embed="rId5"/>
+          <a:srcRect/>
+          <a:stretch>
+            <a:fillRect/>
+          </a:stretch>
+        </p:blipFill>
+        <p:spPr bwMode="auto">
+          <a:xfrm rot="10800000">
+            <a:off x="1259632" y="5157192"/>
+            <a:ext cx="485775" cy="76200"/>
+          </a:xfrm>
+          <a:prstGeom prst="rect">
+            <a:avLst/>
+          </a:prstGeom>
+          <a:noFill/>
+          <a:ln w="9525">
+            <a:noFill/>
+            <a:miter lim="800000"/>
+            <a:headEnd/>
+            <a:tailEnd/>
+          </a:ln>
+        </p:spPr>
+      </p:pic>
+      <p:pic>
+        <p:nvPicPr>
+          <p:cNvPr id="61" name="Picture 3"/>
           <p:cNvPicPr>
             <a:picLocks noChangeAspect="1" noChangeArrowheads="1"/>
           </p:cNvPicPr>
@@ -4742,8 +5824,8 @@
         </p:blipFill>
         <p:spPr bwMode="auto">
           <a:xfrm>
-            <a:off x="2627785" y="1772816"/>
-            <a:ext cx="485775" cy="76200"/>
+            <a:off x="3059832" y="5013176"/>
+            <a:ext cx="1231337" cy="288032"/>
           </a:xfrm>
           <a:prstGeom prst="rect">
             <a:avLst/>
@@ -4759,23 +5841,23 @@
       </p:pic>
       <p:pic>
         <p:nvPicPr>
-          <p:cNvPr id="31" name="Picture 3"/>
+          <p:cNvPr id="62" name="Picture 4"/>
           <p:cNvPicPr>
             <a:picLocks noChangeAspect="1" noChangeArrowheads="1"/>
           </p:cNvPicPr>
           <p:nvPr/>
         </p:nvPicPr>
         <p:blipFill>
-          <a:blip r:embed="rId3"/>
+          <a:blip r:embed="rId5"/>
           <a:srcRect/>
           <a:stretch>
             <a:fillRect/>
           </a:stretch>
         </p:blipFill>
         <p:spPr bwMode="auto">
-          <a:xfrm>
-            <a:off x="4492792" y="1628800"/>
-            <a:ext cx="1231337" cy="288032"/>
+          <a:xfrm rot="10800000">
+            <a:off x="2646065" y="5085185"/>
+            <a:ext cx="485775" cy="76200"/>
           </a:xfrm>
           <a:prstGeom prst="rect">
             <a:avLst/>
@@ -4791,7 +5873,39 @@
       </p:pic>
       <p:pic>
         <p:nvPicPr>
-          <p:cNvPr id="32" name="Picture 4"/>
+          <p:cNvPr id="63" name="Picture 5"/>
+          <p:cNvPicPr>
+            <a:picLocks noChangeAspect="1" noChangeArrowheads="1"/>
+          </p:cNvPicPr>
+          <p:nvPr/>
+        </p:nvPicPr>
+        <p:blipFill>
+          <a:blip r:embed="rId5"/>
+          <a:srcRect/>
+          <a:stretch>
+            <a:fillRect/>
+          </a:stretch>
+        </p:blipFill>
+        <p:spPr bwMode="auto">
+          <a:xfrm>
+            <a:off x="2627784" y="5157192"/>
+            <a:ext cx="485775" cy="76200"/>
+          </a:xfrm>
+          <a:prstGeom prst="rect">
+            <a:avLst/>
+          </a:prstGeom>
+          <a:noFill/>
+          <a:ln w="9525">
+            <a:noFill/>
+            <a:miter lim="800000"/>
+            <a:headEnd/>
+            <a:tailEnd/>
+          </a:ln>
+        </p:spPr>
+      </p:pic>
+      <p:pic>
+        <p:nvPicPr>
+          <p:cNvPr id="64" name="Picture 3"/>
           <p:cNvPicPr>
             <a:picLocks noChangeAspect="1" noChangeArrowheads="1"/>
           </p:cNvPicPr>
@@ -4805,9 +5919,9 @@
           </a:stretch>
         </p:blipFill>
         <p:spPr bwMode="auto">
-          <a:xfrm rot="10800000">
-            <a:off x="4079025" y="1700809"/>
-            <a:ext cx="485775" cy="76200"/>
+          <a:xfrm>
+            <a:off x="4492791" y="5013176"/>
+            <a:ext cx="1231337" cy="288032"/>
           </a:xfrm>
           <a:prstGeom prst="rect">
             <a:avLst/>
@@ -4823,22 +5937,22 @@
       </p:pic>
       <p:pic>
         <p:nvPicPr>
-          <p:cNvPr id="33" name="Picture 5"/>
+          <p:cNvPr id="65" name="Picture 4"/>
           <p:cNvPicPr>
             <a:picLocks noChangeAspect="1" noChangeArrowheads="1"/>
           </p:cNvPicPr>
           <p:nvPr/>
         </p:nvPicPr>
         <p:blipFill>
-          <a:blip r:embed="rId4"/>
+          <a:blip r:embed="rId5"/>
           <a:srcRect/>
           <a:stretch>
             <a:fillRect/>
           </a:stretch>
         </p:blipFill>
         <p:spPr bwMode="auto">
-          <a:xfrm>
-            <a:off x="4060744" y="1772816"/>
+          <a:xfrm rot="10800000">
+            <a:off x="4079024" y="5085185"/>
             <a:ext cx="485775" cy="76200"/>
           </a:xfrm>
           <a:prstGeom prst="rect">
@@ -4855,14 +5969,14 @@
       </p:pic>
       <p:pic>
         <p:nvPicPr>
-          <p:cNvPr id="34" name="Picture 3"/>
+          <p:cNvPr id="66" name="Picture 5"/>
           <p:cNvPicPr>
             <a:picLocks noChangeAspect="1" noChangeArrowheads="1"/>
           </p:cNvPicPr>
           <p:nvPr/>
         </p:nvPicPr>
         <p:blipFill>
-          <a:blip r:embed="rId3"/>
+          <a:blip r:embed="rId5"/>
           <a:srcRect/>
           <a:stretch>
             <a:fillRect/>
@@ -4870,8 +5984,8 @@
         </p:blipFill>
         <p:spPr bwMode="auto">
           <a:xfrm>
-            <a:off x="1619673" y="2276872"/>
-            <a:ext cx="1231337" cy="288032"/>
+            <a:off x="4060743" y="5157192"/>
+            <a:ext cx="485775" cy="76200"/>
           </a:xfrm>
           <a:prstGeom prst="rect">
             <a:avLst/>
@@ -4885,230 +5999,300 @@
           </a:ln>
         </p:spPr>
       </p:pic>
-      <p:pic>
-        <p:nvPicPr>
-          <p:cNvPr id="35" name="Picture 4"/>
-          <p:cNvPicPr>
-            <a:picLocks noChangeAspect="1" noChangeArrowheads="1"/>
-          </p:cNvPicPr>
-          <p:nvPr/>
-        </p:nvPicPr>
-        <p:blipFill>
-          <a:blip r:embed="rId4"/>
-          <a:srcRect/>
-          <a:stretch>
-            <a:fillRect/>
-          </a:stretch>
-        </p:blipFill>
-        <p:spPr bwMode="auto">
-          <a:xfrm rot="10800000">
-            <a:off x="1259633" y="2420888"/>
-            <a:ext cx="485775" cy="76200"/>
+      <p:sp>
+        <p:nvSpPr>
+          <p:cNvPr id="69" name="TextBox 68"/>
+          <p:cNvSpPr txBox="1"/>
+          <p:nvPr/>
+        </p:nvSpPr>
+        <p:spPr>
+          <a:xfrm>
+            <a:off x="1043608" y="2780928"/>
+            <a:ext cx="461665" cy="864096"/>
           </a:xfrm>
           <a:prstGeom prst="rect">
             <a:avLst/>
           </a:prstGeom>
           <a:noFill/>
-          <a:ln w="9525">
-            <a:noFill/>
-            <a:miter lim="800000"/>
-            <a:headEnd/>
-            <a:tailEnd/>
-          </a:ln>
-        </p:spPr>
-      </p:pic>
-      <p:pic>
-        <p:nvPicPr>
-          <p:cNvPr id="36" name="Picture 3"/>
-          <p:cNvPicPr>
-            <a:picLocks noChangeAspect="1" noChangeArrowheads="1"/>
-          </p:cNvPicPr>
-          <p:nvPr/>
-        </p:nvPicPr>
-        <p:blipFill>
-          <a:blip r:embed="rId3"/>
-          <a:srcRect/>
-          <a:stretch>
-            <a:fillRect/>
-          </a:stretch>
-        </p:blipFill>
-        <p:spPr bwMode="auto">
-          <a:xfrm>
-            <a:off x="3059833" y="2276872"/>
-            <a:ext cx="1231337" cy="288032"/>
+        </p:spPr>
+        <p:txBody>
+          <a:bodyPr vert="eaVert" wrap="square" rtlCol="0">
+            <a:spAutoFit/>
+          </a:bodyPr>
+          <a:lstStyle/>
+          <a:p>
+            <a:r>
+              <a:rPr lang="en-US" altLang="zh-CN" dirty="0" smtClean="0">
+                <a:latin typeface="黑体" pitchFamily="2" charset="-122"/>
+                <a:ea typeface="黑体" pitchFamily="2" charset="-122"/>
+              </a:rPr>
+              <a:t>………</a:t>
+            </a:r>
+            <a:endParaRPr lang="zh-CN" altLang="en-US" dirty="0">
+              <a:latin typeface="黑体" pitchFamily="2" charset="-122"/>
+              <a:ea typeface="黑体" pitchFamily="2" charset="-122"/>
+            </a:endParaRPr>
+          </a:p>
+        </p:txBody>
+      </p:sp>
+      <p:sp>
+        <p:nvSpPr>
+          <p:cNvPr id="70" name="TextBox 69"/>
+          <p:cNvSpPr txBox="1"/>
+          <p:nvPr/>
+        </p:nvSpPr>
+        <p:spPr>
+          <a:xfrm>
+            <a:off x="755576" y="980728"/>
+            <a:ext cx="360040" cy="369332"/>
           </a:xfrm>
           <a:prstGeom prst="rect">
             <a:avLst/>
           </a:prstGeom>
           <a:noFill/>
-          <a:ln w="9525">
-            <a:noFill/>
-            <a:miter lim="800000"/>
-            <a:headEnd/>
-            <a:tailEnd/>
-          </a:ln>
-        </p:spPr>
-      </p:pic>
-      <p:pic>
-        <p:nvPicPr>
-          <p:cNvPr id="37" name="Picture 4"/>
-          <p:cNvPicPr>
-            <a:picLocks noChangeAspect="1" noChangeArrowheads="1"/>
-          </p:cNvPicPr>
-          <p:nvPr/>
-        </p:nvPicPr>
-        <p:blipFill>
-          <a:blip r:embed="rId4"/>
-          <a:srcRect/>
-          <a:stretch>
-            <a:fillRect/>
-          </a:stretch>
-        </p:blipFill>
-        <p:spPr bwMode="auto">
-          <a:xfrm rot="10800000">
-            <a:off x="2646066" y="2348881"/>
-            <a:ext cx="485775" cy="76200"/>
+        </p:spPr>
+        <p:txBody>
+          <a:bodyPr wrap="square" rtlCol="0">
+            <a:spAutoFit/>
+          </a:bodyPr>
+          <a:lstStyle/>
+          <a:p>
+            <a:r>
+              <a:rPr lang="en-US" altLang="zh-CN" dirty="0" smtClean="0">
+                <a:latin typeface="黑体" pitchFamily="2" charset="-122"/>
+                <a:ea typeface="黑体" pitchFamily="2" charset="-122"/>
+              </a:rPr>
+              <a:t>0</a:t>
+            </a:r>
+            <a:endParaRPr lang="zh-CN" altLang="en-US" dirty="0">
+              <a:latin typeface="黑体" pitchFamily="2" charset="-122"/>
+              <a:ea typeface="黑体" pitchFamily="2" charset="-122"/>
+            </a:endParaRPr>
+          </a:p>
+        </p:txBody>
+      </p:sp>
+      <p:sp>
+        <p:nvSpPr>
+          <p:cNvPr id="71" name="TextBox 70"/>
+          <p:cNvSpPr txBox="1"/>
+          <p:nvPr/>
+        </p:nvSpPr>
+        <p:spPr>
+          <a:xfrm>
+            <a:off x="755576" y="1619508"/>
+            <a:ext cx="360040" cy="369332"/>
           </a:xfrm>
           <a:prstGeom prst="rect">
             <a:avLst/>
           </a:prstGeom>
           <a:noFill/>
-          <a:ln w="9525">
-            <a:noFill/>
-            <a:miter lim="800000"/>
-            <a:headEnd/>
-            <a:tailEnd/>
-          </a:ln>
-        </p:spPr>
-      </p:pic>
-      <p:pic>
-        <p:nvPicPr>
-          <p:cNvPr id="38" name="Picture 5"/>
-          <p:cNvPicPr>
-            <a:picLocks noChangeAspect="1" noChangeArrowheads="1"/>
-          </p:cNvPicPr>
-          <p:nvPr/>
-        </p:nvPicPr>
-        <p:blipFill>
-          <a:blip r:embed="rId4"/>
-          <a:srcRect/>
-          <a:stretch>
-            <a:fillRect/>
-          </a:stretch>
-        </p:blipFill>
-        <p:spPr bwMode="auto">
-          <a:xfrm>
-            <a:off x="2627785" y="2420888"/>
-            <a:ext cx="485775" cy="76200"/>
+        </p:spPr>
+        <p:txBody>
+          <a:bodyPr wrap="square" rtlCol="0">
+            <a:spAutoFit/>
+          </a:bodyPr>
+          <a:lstStyle/>
+          <a:p>
+            <a:r>
+              <a:rPr lang="en-US" altLang="zh-CN" dirty="0" smtClean="0">
+                <a:latin typeface="黑体" pitchFamily="2" charset="-122"/>
+                <a:ea typeface="黑体" pitchFamily="2" charset="-122"/>
+              </a:rPr>
+              <a:t>1</a:t>
+            </a:r>
+            <a:endParaRPr lang="zh-CN" altLang="en-US" dirty="0">
+              <a:latin typeface="黑体" pitchFamily="2" charset="-122"/>
+              <a:ea typeface="黑体" pitchFamily="2" charset="-122"/>
+            </a:endParaRPr>
+          </a:p>
+        </p:txBody>
+      </p:sp>
+      <p:sp>
+        <p:nvSpPr>
+          <p:cNvPr id="72" name="TextBox 71"/>
+          <p:cNvSpPr txBox="1"/>
+          <p:nvPr/>
+        </p:nvSpPr>
+        <p:spPr>
+          <a:xfrm>
+            <a:off x="755576" y="2195572"/>
+            <a:ext cx="360040" cy="369332"/>
           </a:xfrm>
           <a:prstGeom prst="rect">
             <a:avLst/>
           </a:prstGeom>
           <a:noFill/>
-          <a:ln w="9525">
-            <a:noFill/>
-            <a:miter lim="800000"/>
-            <a:headEnd/>
-            <a:tailEnd/>
-          </a:ln>
-        </p:spPr>
-      </p:pic>
-      <p:pic>
-        <p:nvPicPr>
-          <p:cNvPr id="39" name="Picture 3"/>
-          <p:cNvPicPr>
-            <a:picLocks noChangeAspect="1" noChangeArrowheads="1"/>
-          </p:cNvPicPr>
-          <p:nvPr/>
-        </p:nvPicPr>
-        <p:blipFill>
-          <a:blip r:embed="rId3"/>
-          <a:srcRect/>
-          <a:stretch>
-            <a:fillRect/>
-          </a:stretch>
-        </p:blipFill>
-        <p:spPr bwMode="auto">
-          <a:xfrm>
-            <a:off x="4492792" y="2276872"/>
-            <a:ext cx="1231337" cy="288032"/>
+        </p:spPr>
+        <p:txBody>
+          <a:bodyPr wrap="square" rtlCol="0">
+            <a:spAutoFit/>
+          </a:bodyPr>
+          <a:lstStyle/>
+          <a:p>
+            <a:r>
+              <a:rPr lang="en-US" altLang="zh-CN" dirty="0" smtClean="0">
+                <a:latin typeface="黑体" pitchFamily="2" charset="-122"/>
+                <a:ea typeface="黑体" pitchFamily="2" charset="-122"/>
+              </a:rPr>
+              <a:t>2</a:t>
+            </a:r>
+            <a:endParaRPr lang="zh-CN" altLang="en-US" dirty="0">
+              <a:latin typeface="黑体" pitchFamily="2" charset="-122"/>
+              <a:ea typeface="黑体" pitchFamily="2" charset="-122"/>
+            </a:endParaRPr>
+          </a:p>
+        </p:txBody>
+      </p:sp>
+      <p:sp>
+        <p:nvSpPr>
+          <p:cNvPr id="73" name="TextBox 72"/>
+          <p:cNvSpPr txBox="1"/>
+          <p:nvPr/>
+        </p:nvSpPr>
+        <p:spPr>
+          <a:xfrm>
+            <a:off x="755576" y="5003884"/>
+            <a:ext cx="432048" cy="369332"/>
           </a:xfrm>
           <a:prstGeom prst="rect">
             <a:avLst/>
           </a:prstGeom>
           <a:noFill/>
-          <a:ln w="9525">
-            <a:noFill/>
-            <a:miter lim="800000"/>
-            <a:headEnd/>
-            <a:tailEnd/>
-          </a:ln>
-        </p:spPr>
-      </p:pic>
-      <p:pic>
-        <p:nvPicPr>
-          <p:cNvPr id="40" name="Picture 4"/>
-          <p:cNvPicPr>
-            <a:picLocks noChangeAspect="1" noChangeArrowheads="1"/>
-          </p:cNvPicPr>
-          <p:nvPr/>
-        </p:nvPicPr>
-        <p:blipFill>
-          <a:blip r:embed="rId4"/>
-          <a:srcRect/>
-          <a:stretch>
-            <a:fillRect/>
-          </a:stretch>
-        </p:blipFill>
-        <p:spPr bwMode="auto">
-          <a:xfrm rot="10800000">
-            <a:off x="4079025" y="2348881"/>
-            <a:ext cx="485775" cy="76200"/>
+        </p:spPr>
+        <p:txBody>
+          <a:bodyPr wrap="square" rtlCol="0">
+            <a:spAutoFit/>
+          </a:bodyPr>
+          <a:lstStyle/>
+          <a:p>
+            <a:r>
+              <a:rPr lang="en-US" altLang="zh-CN" dirty="0" smtClean="0">
+                <a:latin typeface="黑体" pitchFamily="2" charset="-122"/>
+                <a:ea typeface="黑体" pitchFamily="2" charset="-122"/>
+              </a:rPr>
+              <a:t>63</a:t>
+            </a:r>
+            <a:endParaRPr lang="zh-CN" altLang="en-US" dirty="0">
+              <a:latin typeface="黑体" pitchFamily="2" charset="-122"/>
+              <a:ea typeface="黑体" pitchFamily="2" charset="-122"/>
+            </a:endParaRPr>
+          </a:p>
+        </p:txBody>
+      </p:sp>
+      <p:sp>
+        <p:nvSpPr>
+          <p:cNvPr id="74" name="TextBox 73"/>
+          <p:cNvSpPr txBox="1"/>
+          <p:nvPr/>
+        </p:nvSpPr>
+        <p:spPr>
+          <a:xfrm>
+            <a:off x="755576" y="4365104"/>
+            <a:ext cx="432048" cy="369332"/>
           </a:xfrm>
           <a:prstGeom prst="rect">
             <a:avLst/>
           </a:prstGeom>
           <a:noFill/>
-          <a:ln w="9525">
-            <a:noFill/>
-            <a:miter lim="800000"/>
-            <a:headEnd/>
-            <a:tailEnd/>
-          </a:ln>
-        </p:spPr>
-      </p:pic>
-      <p:pic>
-        <p:nvPicPr>
-          <p:cNvPr id="41" name="Picture 5"/>
-          <p:cNvPicPr>
-            <a:picLocks noChangeAspect="1" noChangeArrowheads="1"/>
-          </p:cNvPicPr>
-          <p:nvPr/>
-        </p:nvPicPr>
-        <p:blipFill>
-          <a:blip r:embed="rId4"/>
-          <a:srcRect/>
-          <a:stretch>
-            <a:fillRect/>
-          </a:stretch>
-        </p:blipFill>
-        <p:spPr bwMode="auto">
-          <a:xfrm>
-            <a:off x="4060744" y="2420888"/>
-            <a:ext cx="485775" cy="76200"/>
+        </p:spPr>
+        <p:txBody>
+          <a:bodyPr wrap="square" rtlCol="0">
+            <a:spAutoFit/>
+          </a:bodyPr>
+          <a:lstStyle/>
+          <a:p>
+            <a:r>
+              <a:rPr lang="en-US" altLang="zh-CN" dirty="0" smtClean="0">
+                <a:latin typeface="黑体" pitchFamily="2" charset="-122"/>
+                <a:ea typeface="黑体" pitchFamily="2" charset="-122"/>
+              </a:rPr>
+              <a:t>62</a:t>
+            </a:r>
+            <a:endParaRPr lang="zh-CN" altLang="en-US" dirty="0">
+              <a:latin typeface="黑体" pitchFamily="2" charset="-122"/>
+              <a:ea typeface="黑体" pitchFamily="2" charset="-122"/>
+            </a:endParaRPr>
+          </a:p>
+        </p:txBody>
+      </p:sp>
+      <p:sp>
+        <p:nvSpPr>
+          <p:cNvPr id="75" name="TextBox 74"/>
+          <p:cNvSpPr txBox="1"/>
+          <p:nvPr/>
+        </p:nvSpPr>
+        <p:spPr>
+          <a:xfrm>
+            <a:off x="755576" y="3717032"/>
+            <a:ext cx="432048" cy="369332"/>
           </a:xfrm>
           <a:prstGeom prst="rect">
             <a:avLst/>
           </a:prstGeom>
           <a:noFill/>
-          <a:ln w="9525">
-            <a:noFill/>
-            <a:miter lim="800000"/>
-            <a:headEnd/>
-            <a:tailEnd/>
-          </a:ln>
-        </p:spPr>
-      </p:pic>
+        </p:spPr>
+        <p:txBody>
+          <a:bodyPr wrap="square" rtlCol="0">
+            <a:spAutoFit/>
+          </a:bodyPr>
+          <a:lstStyle/>
+          <a:p>
+            <a:r>
+              <a:rPr lang="en-US" altLang="zh-CN" dirty="0" smtClean="0">
+                <a:latin typeface="黑体" pitchFamily="2" charset="-122"/>
+                <a:ea typeface="黑体" pitchFamily="2" charset="-122"/>
+              </a:rPr>
+              <a:t>61</a:t>
+            </a:r>
+            <a:endParaRPr lang="zh-CN" altLang="en-US" dirty="0">
+              <a:latin typeface="黑体" pitchFamily="2" charset="-122"/>
+              <a:ea typeface="黑体" pitchFamily="2" charset="-122"/>
+            </a:endParaRPr>
+          </a:p>
+        </p:txBody>
+      </p:sp>
+      <p:sp>
+        <p:nvSpPr>
+          <p:cNvPr id="76" name="TextBox 75"/>
+          <p:cNvSpPr txBox="1"/>
+          <p:nvPr/>
+        </p:nvSpPr>
+        <p:spPr>
+          <a:xfrm>
+            <a:off x="1475656" y="5733256"/>
+            <a:ext cx="4104456" cy="369332"/>
+          </a:xfrm>
+          <a:prstGeom prst="rect">
+            <a:avLst/>
+          </a:prstGeom>
+          <a:noFill/>
+        </p:spPr>
+        <p:txBody>
+          <a:bodyPr wrap="square" rtlCol="0">
+            <a:spAutoFit/>
+          </a:bodyPr>
+          <a:lstStyle/>
+          <a:p>
+            <a:r>
+              <a:rPr lang="en-US" altLang="zh-CN" dirty="0" smtClean="0"/>
+              <a:t>PHP</a:t>
+            </a:r>
+            <a:r>
+              <a:rPr lang="zh-CN" altLang="en-US" dirty="0" smtClean="0"/>
+              <a:t>内存管理</a:t>
+            </a:r>
+            <a:r>
+              <a:rPr lang="en-US" altLang="zh-CN" dirty="0" err="1" smtClean="0"/>
+              <a:t>free_buckets</a:t>
+            </a:r>
+            <a:r>
+              <a:rPr lang="zh-CN" altLang="en-US" dirty="0" smtClean="0"/>
+              <a:t>列表结构图</a:t>
+            </a:r>
+            <a:endParaRPr lang="zh-CN" altLang="en-US" dirty="0"/>
+          </a:p>
+        </p:txBody>
+      </p:sp>
     </p:spTree>
   </p:cSld>
   <p:clrMapOvr>

--- a/book/images/chapt06/zend-memory-manager.pptx
+++ b/book/images/chapt06/zend-memory-manager.pptx
@@ -5,11 +5,12 @@
     <p:sldMasterId id="2147483648" r:id="rId1"/>
   </p:sldMasterIdLst>
   <p:notesMasterIdLst>
-    <p:notesMasterId r:id="rId4"/>
+    <p:notesMasterId r:id="rId5"/>
   </p:notesMasterIdLst>
   <p:sldIdLst>
     <p:sldId id="256" r:id="rId2"/>
     <p:sldId id="257" r:id="rId3"/>
+    <p:sldId id="258" r:id="rId4"/>
   </p:sldIdLst>
   <p:sldSz cx="9144000" cy="6858000" type="screen4x3"/>
   <p:notesSz cx="6858000" cy="9144000"/>
@@ -194,7 +195,7 @@
             <a:fld id="{58B216FC-46AC-48B5-9BDA-6EC69BBFD050}" type="datetimeFigureOut">
               <a:rPr lang="zh-CN" altLang="en-US" smtClean="0"/>
               <a:pPr/>
-              <a:t>2011-06-19</a:t>
+              <a:t>2011/6/24</a:t>
             </a:fld>
             <a:endParaRPr lang="zh-CN" altLang="en-US"/>
           </a:p>
@@ -632,6 +633,88 @@
 </p:notes>
 </file>
 
+<file path=ppt/notesSlides/notesSlide3.xml><?xml version="1.0" encoding="utf-8"?>
+<p:notes xmlns:a="http://schemas.openxmlformats.org/drawingml/2006/main" xmlns:r="http://schemas.openxmlformats.org/officeDocument/2006/relationships" xmlns:p="http://schemas.openxmlformats.org/presentationml/2006/main">
+  <p:cSld>
+    <p:spTree>
+      <p:nvGrpSpPr>
+        <p:cNvPr id="1" name=""/>
+        <p:cNvGrpSpPr/>
+        <p:nvPr/>
+      </p:nvGrpSpPr>
+      <p:grpSpPr>
+        <a:xfrm>
+          <a:off x="0" y="0"/>
+          <a:ext cx="0" cy="0"/>
+          <a:chOff x="0" y="0"/>
+          <a:chExt cx="0" cy="0"/>
+        </a:xfrm>
+      </p:grpSpPr>
+      <p:sp>
+        <p:nvSpPr>
+          <p:cNvPr id="2" name="幻灯片图像占位符 1"/>
+          <p:cNvSpPr>
+            <a:spLocks noGrp="1" noRot="1" noChangeAspect="1"/>
+          </p:cNvSpPr>
+          <p:nvPr>
+            <p:ph type="sldImg"/>
+          </p:nvPr>
+        </p:nvSpPr>
+        <p:spPr/>
+      </p:sp>
+      <p:sp>
+        <p:nvSpPr>
+          <p:cNvPr id="3" name="备注占位符 2"/>
+          <p:cNvSpPr>
+            <a:spLocks noGrp="1"/>
+          </p:cNvSpPr>
+          <p:nvPr>
+            <p:ph type="body" idx="1"/>
+          </p:nvPr>
+        </p:nvSpPr>
+        <p:spPr/>
+        <p:txBody>
+          <a:bodyPr>
+            <a:normAutofit/>
+          </a:bodyPr>
+          <a:lstStyle/>
+          <a:p>
+            <a:endParaRPr lang="zh-CN" altLang="en-US"/>
+          </a:p>
+        </p:txBody>
+      </p:sp>
+      <p:sp>
+        <p:nvSpPr>
+          <p:cNvPr id="4" name="灯片编号占位符 3"/>
+          <p:cNvSpPr>
+            <a:spLocks noGrp="1"/>
+          </p:cNvSpPr>
+          <p:nvPr>
+            <p:ph type="sldNum" sz="quarter" idx="10"/>
+          </p:nvPr>
+        </p:nvSpPr>
+        <p:spPr/>
+        <p:txBody>
+          <a:bodyPr/>
+          <a:lstStyle/>
+          <a:p>
+            <a:fld id="{989AF4F5-FE5E-48BE-8F27-DB34FBCC3C5E}" type="slidenum">
+              <a:rPr lang="zh-CN" altLang="en-US" smtClean="0"/>
+              <a:pPr/>
+              <a:t>3</a:t>
+            </a:fld>
+            <a:endParaRPr lang="zh-CN" altLang="en-US"/>
+          </a:p>
+        </p:txBody>
+      </p:sp>
+    </p:spTree>
+  </p:cSld>
+  <p:clrMapOvr>
+    <a:masterClrMapping/>
+  </p:clrMapOvr>
+</p:notes>
+</file>
+
 <file path=ppt/slideLayouts/slideLayout1.xml><?xml version="1.0" encoding="utf-8"?>
 <p:sldLayout xmlns:a="http://schemas.openxmlformats.org/drawingml/2006/main" xmlns:r="http://schemas.openxmlformats.org/officeDocument/2006/relationships" xmlns:p="http://schemas.openxmlformats.org/presentationml/2006/main" type="title" preserve="1">
   <p:cSld name="标题幻灯片">
@@ -814,7 +897,7 @@
             <a:fld id="{530820CF-B880-4189-942D-D702A7CBA730}" type="datetimeFigureOut">
               <a:rPr lang="zh-CN" altLang="en-US" smtClean="0"/>
               <a:pPr/>
-              <a:t>2011-06-19</a:t>
+              <a:t>2011/6/24</a:t>
             </a:fld>
             <a:endParaRPr lang="zh-CN" altLang="en-US"/>
           </a:p>
@@ -981,7 +1064,7 @@
             <a:fld id="{530820CF-B880-4189-942D-D702A7CBA730}" type="datetimeFigureOut">
               <a:rPr lang="zh-CN" altLang="en-US" smtClean="0"/>
               <a:pPr/>
-              <a:t>2011-06-19</a:t>
+              <a:t>2011/6/24</a:t>
             </a:fld>
             <a:endParaRPr lang="zh-CN" altLang="en-US"/>
           </a:p>
@@ -1158,7 +1241,7 @@
             <a:fld id="{530820CF-B880-4189-942D-D702A7CBA730}" type="datetimeFigureOut">
               <a:rPr lang="zh-CN" altLang="en-US" smtClean="0"/>
               <a:pPr/>
-              <a:t>2011-06-19</a:t>
+              <a:t>2011/6/24</a:t>
             </a:fld>
             <a:endParaRPr lang="zh-CN" altLang="en-US"/>
           </a:p>
@@ -1325,7 +1408,7 @@
             <a:fld id="{530820CF-B880-4189-942D-D702A7CBA730}" type="datetimeFigureOut">
               <a:rPr lang="zh-CN" altLang="en-US" smtClean="0"/>
               <a:pPr/>
-              <a:t>2011-06-19</a:t>
+              <a:t>2011/6/24</a:t>
             </a:fld>
             <a:endParaRPr lang="zh-CN" altLang="en-US"/>
           </a:p>
@@ -1568,7 +1651,7 @@
             <a:fld id="{530820CF-B880-4189-942D-D702A7CBA730}" type="datetimeFigureOut">
               <a:rPr lang="zh-CN" altLang="en-US" smtClean="0"/>
               <a:pPr/>
-              <a:t>2011-06-19</a:t>
+              <a:t>2011/6/24</a:t>
             </a:fld>
             <a:endParaRPr lang="zh-CN" altLang="en-US"/>
           </a:p>
@@ -1853,7 +1936,7 @@
             <a:fld id="{530820CF-B880-4189-942D-D702A7CBA730}" type="datetimeFigureOut">
               <a:rPr lang="zh-CN" altLang="en-US" smtClean="0"/>
               <a:pPr/>
-              <a:t>2011-06-19</a:t>
+              <a:t>2011/6/24</a:t>
             </a:fld>
             <a:endParaRPr lang="zh-CN" altLang="en-US"/>
           </a:p>
@@ -2272,7 +2355,7 @@
             <a:fld id="{530820CF-B880-4189-942D-D702A7CBA730}" type="datetimeFigureOut">
               <a:rPr lang="zh-CN" altLang="en-US" smtClean="0"/>
               <a:pPr/>
-              <a:t>2011-06-19</a:t>
+              <a:t>2011/6/24</a:t>
             </a:fld>
             <a:endParaRPr lang="zh-CN" altLang="en-US"/>
           </a:p>
@@ -2387,7 +2470,7 @@
             <a:fld id="{530820CF-B880-4189-942D-D702A7CBA730}" type="datetimeFigureOut">
               <a:rPr lang="zh-CN" altLang="en-US" smtClean="0"/>
               <a:pPr/>
-              <a:t>2011-06-19</a:t>
+              <a:t>2011/6/24</a:t>
             </a:fld>
             <a:endParaRPr lang="zh-CN" altLang="en-US"/>
           </a:p>
@@ -2479,7 +2562,7 @@
             <a:fld id="{530820CF-B880-4189-942D-D702A7CBA730}" type="datetimeFigureOut">
               <a:rPr lang="zh-CN" altLang="en-US" smtClean="0"/>
               <a:pPr/>
-              <a:t>2011-06-19</a:t>
+              <a:t>2011/6/24</a:t>
             </a:fld>
             <a:endParaRPr lang="zh-CN" altLang="en-US"/>
           </a:p>
@@ -2753,7 +2836,7 @@
             <a:fld id="{530820CF-B880-4189-942D-D702A7CBA730}" type="datetimeFigureOut">
               <a:rPr lang="zh-CN" altLang="en-US" smtClean="0"/>
               <a:pPr/>
-              <a:t>2011-06-19</a:t>
+              <a:t>2011/6/24</a:t>
             </a:fld>
             <a:endParaRPr lang="zh-CN" altLang="en-US"/>
           </a:p>
@@ -3003,7 +3086,7 @@
             <a:fld id="{530820CF-B880-4189-942D-D702A7CBA730}" type="datetimeFigureOut">
               <a:rPr lang="zh-CN" altLang="en-US" smtClean="0"/>
               <a:pPr/>
-              <a:t>2011-06-19</a:t>
+              <a:t>2011/6/24</a:t>
             </a:fld>
             <a:endParaRPr lang="zh-CN" altLang="en-US"/>
           </a:p>
@@ -3213,7 +3296,7 @@
             <a:fld id="{530820CF-B880-4189-942D-D702A7CBA730}" type="datetimeFigureOut">
               <a:rPr lang="zh-CN" altLang="en-US" smtClean="0"/>
               <a:pPr/>
-              <a:t>2011-06-19</a:t>
+              <a:t>2011/6/24</a:t>
             </a:fld>
             <a:endParaRPr lang="zh-CN" altLang="en-US"/>
           </a:p>
@@ -6284,6 +6367,2369 @@
             <a:r>
               <a:rPr lang="en-US" altLang="zh-CN" dirty="0" err="1" smtClean="0"/>
               <a:t>free_buckets</a:t>
+            </a:r>
+            <a:r>
+              <a:rPr lang="zh-CN" altLang="en-US" dirty="0" smtClean="0"/>
+              <a:t>列表结构图</a:t>
+            </a:r>
+            <a:endParaRPr lang="zh-CN" altLang="en-US" dirty="0"/>
+          </a:p>
+        </p:txBody>
+      </p:sp>
+    </p:spTree>
+  </p:cSld>
+  <p:clrMapOvr>
+    <a:masterClrMapping/>
+  </p:clrMapOvr>
+</p:sld>
+</file>
+
+<file path=ppt/slides/slide3.xml><?xml version="1.0" encoding="utf-8"?>
+<p:sld xmlns:a="http://schemas.openxmlformats.org/drawingml/2006/main" xmlns:r="http://schemas.openxmlformats.org/officeDocument/2006/relationships" xmlns:p="http://schemas.openxmlformats.org/presentationml/2006/main">
+  <p:cSld>
+    <p:spTree>
+      <p:nvGrpSpPr>
+        <p:cNvPr id="1" name=""/>
+        <p:cNvGrpSpPr/>
+        <p:nvPr/>
+      </p:nvGrpSpPr>
+      <p:grpSpPr>
+        <a:xfrm>
+          <a:off x="0" y="0"/>
+          <a:ext cx="0" cy="0"/>
+          <a:chOff x="0" y="0"/>
+          <a:chExt cx="0" cy="0"/>
+        </a:xfrm>
+      </p:grpSpPr>
+      <p:pic>
+        <p:nvPicPr>
+          <p:cNvPr id="23" name="Picture 3"/>
+          <p:cNvPicPr>
+            <a:picLocks noChangeAspect="1" noChangeArrowheads="1"/>
+          </p:cNvPicPr>
+          <p:nvPr/>
+        </p:nvPicPr>
+        <p:blipFill>
+          <a:blip r:embed="rId3"/>
+          <a:srcRect/>
+          <a:stretch>
+            <a:fillRect/>
+          </a:stretch>
+        </p:blipFill>
+        <p:spPr bwMode="auto">
+          <a:xfrm>
+            <a:off x="2571736" y="783514"/>
+            <a:ext cx="1231337" cy="288032"/>
+          </a:xfrm>
+          <a:prstGeom prst="rect">
+            <a:avLst/>
+          </a:prstGeom>
+          <a:noFill/>
+          <a:ln w="9525">
+            <a:noFill/>
+            <a:miter lim="800000"/>
+            <a:headEnd/>
+            <a:tailEnd/>
+          </a:ln>
+        </p:spPr>
+      </p:pic>
+      <p:pic>
+        <p:nvPicPr>
+          <p:cNvPr id="42" name="Picture 3"/>
+          <p:cNvPicPr>
+            <a:picLocks noChangeAspect="1" noChangeArrowheads="1"/>
+          </p:cNvPicPr>
+          <p:nvPr/>
+        </p:nvPicPr>
+        <p:blipFill>
+          <a:blip r:embed="rId3"/>
+          <a:srcRect/>
+          <a:stretch>
+            <a:fillRect/>
+          </a:stretch>
+        </p:blipFill>
+        <p:spPr bwMode="auto">
+          <a:xfrm>
+            <a:off x="1781719" y="140572"/>
+            <a:ext cx="1231337" cy="288032"/>
+          </a:xfrm>
+          <a:prstGeom prst="rect">
+            <a:avLst/>
+          </a:prstGeom>
+          <a:noFill/>
+          <a:ln w="9525">
+            <a:noFill/>
+            <a:miter lim="800000"/>
+            <a:headEnd/>
+            <a:tailEnd/>
+          </a:ln>
+        </p:spPr>
+      </p:pic>
+      <p:pic>
+        <p:nvPicPr>
+          <p:cNvPr id="43" name="Picture 3"/>
+          <p:cNvPicPr>
+            <a:picLocks noChangeAspect="1" noChangeArrowheads="1"/>
+          </p:cNvPicPr>
+          <p:nvPr/>
+        </p:nvPicPr>
+        <p:blipFill>
+          <a:blip r:embed="rId3"/>
+          <a:srcRect/>
+          <a:stretch>
+            <a:fillRect/>
+          </a:stretch>
+        </p:blipFill>
+        <p:spPr bwMode="auto">
+          <a:xfrm>
+            <a:off x="1000100" y="783514"/>
+            <a:ext cx="1231337" cy="288032"/>
+          </a:xfrm>
+          <a:prstGeom prst="rect">
+            <a:avLst/>
+          </a:prstGeom>
+          <a:noFill/>
+          <a:ln w="9525">
+            <a:noFill/>
+            <a:miter lim="800000"/>
+            <a:headEnd/>
+            <a:tailEnd/>
+          </a:ln>
+        </p:spPr>
+      </p:pic>
+      <p:pic>
+        <p:nvPicPr>
+          <p:cNvPr id="44" name="Picture 3"/>
+          <p:cNvPicPr>
+            <a:picLocks noChangeAspect="1" noChangeArrowheads="1"/>
+          </p:cNvPicPr>
+          <p:nvPr/>
+        </p:nvPicPr>
+        <p:blipFill>
+          <a:blip r:embed="rId3"/>
+          <a:srcRect/>
+          <a:stretch>
+            <a:fillRect/>
+          </a:stretch>
+        </p:blipFill>
+        <p:spPr bwMode="auto">
+          <a:xfrm>
+            <a:off x="3143240" y="140572"/>
+            <a:ext cx="1231337" cy="288032"/>
+          </a:xfrm>
+          <a:prstGeom prst="rect">
+            <a:avLst/>
+          </a:prstGeom>
+          <a:noFill/>
+          <a:ln w="9525">
+            <a:noFill/>
+            <a:miter lim="800000"/>
+            <a:headEnd/>
+            <a:tailEnd/>
+          </a:ln>
+        </p:spPr>
+      </p:pic>
+      <p:pic>
+        <p:nvPicPr>
+          <p:cNvPr id="45" name="Picture 4"/>
+          <p:cNvPicPr>
+            <a:picLocks noChangeAspect="1" noChangeArrowheads="1"/>
+          </p:cNvPicPr>
+          <p:nvPr/>
+        </p:nvPicPr>
+        <p:blipFill>
+          <a:blip r:embed="rId4"/>
+          <a:srcRect/>
+          <a:stretch>
+            <a:fillRect/>
+          </a:stretch>
+        </p:blipFill>
+        <p:spPr bwMode="auto">
+          <a:xfrm rot="10800000">
+            <a:off x="2796712" y="212581"/>
+            <a:ext cx="485775" cy="76200"/>
+          </a:xfrm>
+          <a:prstGeom prst="rect">
+            <a:avLst/>
+          </a:prstGeom>
+          <a:noFill/>
+          <a:ln w="9525">
+            <a:noFill/>
+            <a:miter lim="800000"/>
+            <a:headEnd/>
+            <a:tailEnd/>
+          </a:ln>
+        </p:spPr>
+      </p:pic>
+      <p:pic>
+        <p:nvPicPr>
+          <p:cNvPr id="46" name="Picture 5"/>
+          <p:cNvPicPr>
+            <a:picLocks noChangeAspect="1" noChangeArrowheads="1"/>
+          </p:cNvPicPr>
+          <p:nvPr/>
+        </p:nvPicPr>
+        <p:blipFill>
+          <a:blip r:embed="rId4"/>
+          <a:srcRect/>
+          <a:stretch>
+            <a:fillRect/>
+          </a:stretch>
+        </p:blipFill>
+        <p:spPr bwMode="auto">
+          <a:xfrm>
+            <a:off x="2778431" y="284588"/>
+            <a:ext cx="485775" cy="76200"/>
+          </a:xfrm>
+          <a:prstGeom prst="rect">
+            <a:avLst/>
+          </a:prstGeom>
+          <a:noFill/>
+          <a:ln w="9525">
+            <a:noFill/>
+            <a:miter lim="800000"/>
+            <a:headEnd/>
+            <a:tailEnd/>
+          </a:ln>
+        </p:spPr>
+      </p:pic>
+      <p:pic>
+        <p:nvPicPr>
+          <p:cNvPr id="47" name="Picture 3"/>
+          <p:cNvPicPr>
+            <a:picLocks noChangeAspect="1" noChangeArrowheads="1"/>
+          </p:cNvPicPr>
+          <p:nvPr/>
+        </p:nvPicPr>
+        <p:blipFill>
+          <a:blip r:embed="rId3"/>
+          <a:srcRect/>
+          <a:stretch>
+            <a:fillRect/>
+          </a:stretch>
+        </p:blipFill>
+        <p:spPr bwMode="auto">
+          <a:xfrm>
+            <a:off x="4643438" y="140572"/>
+            <a:ext cx="1231337" cy="288032"/>
+          </a:xfrm>
+          <a:prstGeom prst="rect">
+            <a:avLst/>
+          </a:prstGeom>
+          <a:noFill/>
+          <a:ln w="9525">
+            <a:noFill/>
+            <a:miter lim="800000"/>
+            <a:headEnd/>
+            <a:tailEnd/>
+          </a:ln>
+        </p:spPr>
+      </p:pic>
+      <p:pic>
+        <p:nvPicPr>
+          <p:cNvPr id="48" name="Picture 4"/>
+          <p:cNvPicPr>
+            <a:picLocks noChangeAspect="1" noChangeArrowheads="1"/>
+          </p:cNvPicPr>
+          <p:nvPr/>
+        </p:nvPicPr>
+        <p:blipFill>
+          <a:blip r:embed="rId4"/>
+          <a:srcRect/>
+          <a:stretch>
+            <a:fillRect/>
+          </a:stretch>
+        </p:blipFill>
+        <p:spPr bwMode="auto">
+          <a:xfrm rot="10800000">
+            <a:off x="4229671" y="212581"/>
+            <a:ext cx="485775" cy="76200"/>
+          </a:xfrm>
+          <a:prstGeom prst="rect">
+            <a:avLst/>
+          </a:prstGeom>
+          <a:noFill/>
+          <a:ln w="9525">
+            <a:noFill/>
+            <a:miter lim="800000"/>
+            <a:headEnd/>
+            <a:tailEnd/>
+          </a:ln>
+        </p:spPr>
+      </p:pic>
+      <p:pic>
+        <p:nvPicPr>
+          <p:cNvPr id="49" name="Picture 5"/>
+          <p:cNvPicPr>
+            <a:picLocks noChangeAspect="1" noChangeArrowheads="1"/>
+          </p:cNvPicPr>
+          <p:nvPr/>
+        </p:nvPicPr>
+        <p:blipFill>
+          <a:blip r:embed="rId4"/>
+          <a:srcRect/>
+          <a:stretch>
+            <a:fillRect/>
+          </a:stretch>
+        </p:blipFill>
+        <p:spPr bwMode="auto">
+          <a:xfrm>
+            <a:off x="4211390" y="284588"/>
+            <a:ext cx="485775" cy="76200"/>
+          </a:xfrm>
+          <a:prstGeom prst="rect">
+            <a:avLst/>
+          </a:prstGeom>
+          <a:noFill/>
+          <a:ln w="9525">
+            <a:noFill/>
+            <a:miter lim="800000"/>
+            <a:headEnd/>
+            <a:tailEnd/>
+          </a:ln>
+        </p:spPr>
+      </p:pic>
+      <p:pic>
+        <p:nvPicPr>
+          <p:cNvPr id="50" name="Picture 3"/>
+          <p:cNvPicPr>
+            <a:picLocks noChangeAspect="1" noChangeArrowheads="1"/>
+          </p:cNvPicPr>
+          <p:nvPr/>
+        </p:nvPicPr>
+        <p:blipFill>
+          <a:blip r:embed="rId3"/>
+          <a:srcRect/>
+          <a:stretch>
+            <a:fillRect/>
+          </a:stretch>
+        </p:blipFill>
+        <p:spPr bwMode="auto">
+          <a:xfrm>
+            <a:off x="3929058" y="783514"/>
+            <a:ext cx="1231337" cy="288032"/>
+          </a:xfrm>
+          <a:prstGeom prst="rect">
+            <a:avLst/>
+          </a:prstGeom>
+          <a:noFill/>
+          <a:ln w="9525">
+            <a:noFill/>
+            <a:miter lim="800000"/>
+            <a:headEnd/>
+            <a:tailEnd/>
+          </a:ln>
+        </p:spPr>
+      </p:pic>
+      <p:pic>
+        <p:nvPicPr>
+          <p:cNvPr id="51" name="Picture 4"/>
+          <p:cNvPicPr>
+            <a:picLocks noChangeAspect="1" noChangeArrowheads="1"/>
+          </p:cNvPicPr>
+          <p:nvPr/>
+        </p:nvPicPr>
+        <p:blipFill>
+          <a:blip r:embed="rId4"/>
+          <a:srcRect/>
+          <a:stretch>
+            <a:fillRect/>
+          </a:stretch>
+        </p:blipFill>
+        <p:spPr bwMode="auto">
+          <a:xfrm rot="10800000">
+            <a:off x="3582530" y="855523"/>
+            <a:ext cx="485775" cy="76200"/>
+          </a:xfrm>
+          <a:prstGeom prst="rect">
+            <a:avLst/>
+          </a:prstGeom>
+          <a:noFill/>
+          <a:ln w="9525">
+            <a:noFill/>
+            <a:miter lim="800000"/>
+            <a:headEnd/>
+            <a:tailEnd/>
+          </a:ln>
+        </p:spPr>
+      </p:pic>
+      <p:pic>
+        <p:nvPicPr>
+          <p:cNvPr id="52" name="Picture 5"/>
+          <p:cNvPicPr>
+            <a:picLocks noChangeAspect="1" noChangeArrowheads="1"/>
+          </p:cNvPicPr>
+          <p:nvPr/>
+        </p:nvPicPr>
+        <p:blipFill>
+          <a:blip r:embed="rId4"/>
+          <a:srcRect/>
+          <a:stretch>
+            <a:fillRect/>
+          </a:stretch>
+        </p:blipFill>
+        <p:spPr bwMode="auto">
+          <a:xfrm>
+            <a:off x="3564249" y="927530"/>
+            <a:ext cx="485775" cy="76200"/>
+          </a:xfrm>
+          <a:prstGeom prst="rect">
+            <a:avLst/>
+          </a:prstGeom>
+          <a:noFill/>
+          <a:ln w="9525">
+            <a:noFill/>
+            <a:miter lim="800000"/>
+            <a:headEnd/>
+            <a:tailEnd/>
+          </a:ln>
+        </p:spPr>
+      </p:pic>
+      <p:pic>
+        <p:nvPicPr>
+          <p:cNvPr id="53" name="Picture 3"/>
+          <p:cNvPicPr>
+            <a:picLocks noChangeAspect="1" noChangeArrowheads="1"/>
+          </p:cNvPicPr>
+          <p:nvPr/>
+        </p:nvPicPr>
+        <p:blipFill>
+          <a:blip r:embed="rId3"/>
+          <a:srcRect/>
+          <a:stretch>
+            <a:fillRect/>
+          </a:stretch>
+        </p:blipFill>
+        <p:spPr bwMode="auto">
+          <a:xfrm>
+            <a:off x="5429256" y="783514"/>
+            <a:ext cx="1231337" cy="288032"/>
+          </a:xfrm>
+          <a:prstGeom prst="rect">
+            <a:avLst/>
+          </a:prstGeom>
+          <a:noFill/>
+          <a:ln w="9525">
+            <a:noFill/>
+            <a:miter lim="800000"/>
+            <a:headEnd/>
+            <a:tailEnd/>
+          </a:ln>
+        </p:spPr>
+      </p:pic>
+      <p:pic>
+        <p:nvPicPr>
+          <p:cNvPr id="54" name="Picture 4"/>
+          <p:cNvPicPr>
+            <a:picLocks noChangeAspect="1" noChangeArrowheads="1"/>
+          </p:cNvPicPr>
+          <p:nvPr/>
+        </p:nvPicPr>
+        <p:blipFill>
+          <a:blip r:embed="rId4"/>
+          <a:srcRect/>
+          <a:stretch>
+            <a:fillRect/>
+          </a:stretch>
+        </p:blipFill>
+        <p:spPr bwMode="auto">
+          <a:xfrm rot="10800000">
+            <a:off x="5015489" y="855523"/>
+            <a:ext cx="485775" cy="76200"/>
+          </a:xfrm>
+          <a:prstGeom prst="rect">
+            <a:avLst/>
+          </a:prstGeom>
+          <a:noFill/>
+          <a:ln w="9525">
+            <a:noFill/>
+            <a:miter lim="800000"/>
+            <a:headEnd/>
+            <a:tailEnd/>
+          </a:ln>
+        </p:spPr>
+      </p:pic>
+      <p:pic>
+        <p:nvPicPr>
+          <p:cNvPr id="55" name="Picture 5"/>
+          <p:cNvPicPr>
+            <a:picLocks noChangeAspect="1" noChangeArrowheads="1"/>
+          </p:cNvPicPr>
+          <p:nvPr/>
+        </p:nvPicPr>
+        <p:blipFill>
+          <a:blip r:embed="rId4"/>
+          <a:srcRect/>
+          <a:stretch>
+            <a:fillRect/>
+          </a:stretch>
+        </p:blipFill>
+        <p:spPr bwMode="auto">
+          <a:xfrm>
+            <a:off x="4997208" y="927530"/>
+            <a:ext cx="485775" cy="76200"/>
+          </a:xfrm>
+          <a:prstGeom prst="rect">
+            <a:avLst/>
+          </a:prstGeom>
+          <a:noFill/>
+          <a:ln w="9525">
+            <a:noFill/>
+            <a:miter lim="800000"/>
+            <a:headEnd/>
+            <a:tailEnd/>
+          </a:ln>
+        </p:spPr>
+      </p:pic>
+      <p:pic>
+        <p:nvPicPr>
+          <p:cNvPr id="56" name="Picture 3"/>
+          <p:cNvPicPr>
+            <a:picLocks noChangeAspect="1" noChangeArrowheads="1"/>
+          </p:cNvPicPr>
+          <p:nvPr/>
+        </p:nvPicPr>
+        <p:blipFill>
+          <a:blip r:embed="rId3"/>
+          <a:srcRect/>
+          <a:stretch>
+            <a:fillRect/>
+          </a:stretch>
+        </p:blipFill>
+        <p:spPr bwMode="auto">
+          <a:xfrm>
+            <a:off x="2643174" y="1995680"/>
+            <a:ext cx="1231337" cy="288032"/>
+          </a:xfrm>
+          <a:prstGeom prst="rect">
+            <a:avLst/>
+          </a:prstGeom>
+          <a:noFill/>
+          <a:ln w="9525">
+            <a:noFill/>
+            <a:miter lim="800000"/>
+            <a:headEnd/>
+            <a:tailEnd/>
+          </a:ln>
+        </p:spPr>
+      </p:pic>
+      <p:pic>
+        <p:nvPicPr>
+          <p:cNvPr id="57" name="Picture 3"/>
+          <p:cNvPicPr>
+            <a:picLocks noChangeAspect="1" noChangeArrowheads="1"/>
+          </p:cNvPicPr>
+          <p:nvPr/>
+        </p:nvPicPr>
+        <p:blipFill>
+          <a:blip r:embed="rId3"/>
+          <a:srcRect/>
+          <a:stretch>
+            <a:fillRect/>
+          </a:stretch>
+        </p:blipFill>
+        <p:spPr bwMode="auto">
+          <a:xfrm>
+            <a:off x="1785918" y="1352738"/>
+            <a:ext cx="1231337" cy="288032"/>
+          </a:xfrm>
+          <a:prstGeom prst="rect">
+            <a:avLst/>
+          </a:prstGeom>
+          <a:noFill/>
+          <a:ln w="9525">
+            <a:noFill/>
+            <a:miter lim="800000"/>
+            <a:headEnd/>
+            <a:tailEnd/>
+          </a:ln>
+        </p:spPr>
+      </p:pic>
+      <p:pic>
+        <p:nvPicPr>
+          <p:cNvPr id="58" name="Picture 3"/>
+          <p:cNvPicPr>
+            <a:picLocks noChangeAspect="1" noChangeArrowheads="1"/>
+          </p:cNvPicPr>
+          <p:nvPr/>
+        </p:nvPicPr>
+        <p:blipFill>
+          <a:blip r:embed="rId3"/>
+          <a:srcRect/>
+          <a:stretch>
+            <a:fillRect/>
+          </a:stretch>
+        </p:blipFill>
+        <p:spPr bwMode="auto">
+          <a:xfrm>
+            <a:off x="1071538" y="1995680"/>
+            <a:ext cx="1231337" cy="288032"/>
+          </a:xfrm>
+          <a:prstGeom prst="rect">
+            <a:avLst/>
+          </a:prstGeom>
+          <a:noFill/>
+          <a:ln w="9525">
+            <a:noFill/>
+            <a:miter lim="800000"/>
+            <a:headEnd/>
+            <a:tailEnd/>
+          </a:ln>
+        </p:spPr>
+      </p:pic>
+      <p:pic>
+        <p:nvPicPr>
+          <p:cNvPr id="59" name="Picture 3"/>
+          <p:cNvPicPr>
+            <a:picLocks noChangeAspect="1" noChangeArrowheads="1"/>
+          </p:cNvPicPr>
+          <p:nvPr/>
+        </p:nvPicPr>
+        <p:blipFill>
+          <a:blip r:embed="rId3"/>
+          <a:srcRect/>
+          <a:stretch>
+            <a:fillRect/>
+          </a:stretch>
+        </p:blipFill>
+        <p:spPr bwMode="auto">
+          <a:xfrm>
+            <a:off x="3214678" y="1352738"/>
+            <a:ext cx="1231337" cy="288032"/>
+          </a:xfrm>
+          <a:prstGeom prst="rect">
+            <a:avLst/>
+          </a:prstGeom>
+          <a:noFill/>
+          <a:ln w="9525">
+            <a:noFill/>
+            <a:miter lim="800000"/>
+            <a:headEnd/>
+            <a:tailEnd/>
+          </a:ln>
+        </p:spPr>
+      </p:pic>
+      <p:pic>
+        <p:nvPicPr>
+          <p:cNvPr id="60" name="Picture 4"/>
+          <p:cNvPicPr>
+            <a:picLocks noChangeAspect="1" noChangeArrowheads="1"/>
+          </p:cNvPicPr>
+          <p:nvPr/>
+        </p:nvPicPr>
+        <p:blipFill>
+          <a:blip r:embed="rId4"/>
+          <a:srcRect/>
+          <a:stretch>
+            <a:fillRect/>
+          </a:stretch>
+        </p:blipFill>
+        <p:spPr bwMode="auto">
+          <a:xfrm rot="10800000">
+            <a:off x="2868150" y="1424747"/>
+            <a:ext cx="485775" cy="76200"/>
+          </a:xfrm>
+          <a:prstGeom prst="rect">
+            <a:avLst/>
+          </a:prstGeom>
+          <a:noFill/>
+          <a:ln w="9525">
+            <a:noFill/>
+            <a:miter lim="800000"/>
+            <a:headEnd/>
+            <a:tailEnd/>
+          </a:ln>
+        </p:spPr>
+      </p:pic>
+      <p:pic>
+        <p:nvPicPr>
+          <p:cNvPr id="61" name="Picture 5"/>
+          <p:cNvPicPr>
+            <a:picLocks noChangeAspect="1" noChangeArrowheads="1"/>
+          </p:cNvPicPr>
+          <p:nvPr/>
+        </p:nvPicPr>
+        <p:blipFill>
+          <a:blip r:embed="rId4"/>
+          <a:srcRect/>
+          <a:stretch>
+            <a:fillRect/>
+          </a:stretch>
+        </p:blipFill>
+        <p:spPr bwMode="auto">
+          <a:xfrm>
+            <a:off x="2849869" y="1496754"/>
+            <a:ext cx="485775" cy="76200"/>
+          </a:xfrm>
+          <a:prstGeom prst="rect">
+            <a:avLst/>
+          </a:prstGeom>
+          <a:noFill/>
+          <a:ln w="9525">
+            <a:noFill/>
+            <a:miter lim="800000"/>
+            <a:headEnd/>
+            <a:tailEnd/>
+          </a:ln>
+        </p:spPr>
+      </p:pic>
+      <p:pic>
+        <p:nvPicPr>
+          <p:cNvPr id="62" name="Picture 3"/>
+          <p:cNvPicPr>
+            <a:picLocks noChangeAspect="1" noChangeArrowheads="1"/>
+          </p:cNvPicPr>
+          <p:nvPr/>
+        </p:nvPicPr>
+        <p:blipFill>
+          <a:blip r:embed="rId3"/>
+          <a:srcRect/>
+          <a:stretch>
+            <a:fillRect/>
+          </a:stretch>
+        </p:blipFill>
+        <p:spPr bwMode="auto">
+          <a:xfrm>
+            <a:off x="4714876" y="1352738"/>
+            <a:ext cx="1231337" cy="288032"/>
+          </a:xfrm>
+          <a:prstGeom prst="rect">
+            <a:avLst/>
+          </a:prstGeom>
+          <a:noFill/>
+          <a:ln w="9525">
+            <a:noFill/>
+            <a:miter lim="800000"/>
+            <a:headEnd/>
+            <a:tailEnd/>
+          </a:ln>
+        </p:spPr>
+      </p:pic>
+      <p:pic>
+        <p:nvPicPr>
+          <p:cNvPr id="63" name="Picture 4"/>
+          <p:cNvPicPr>
+            <a:picLocks noChangeAspect="1" noChangeArrowheads="1"/>
+          </p:cNvPicPr>
+          <p:nvPr/>
+        </p:nvPicPr>
+        <p:blipFill>
+          <a:blip r:embed="rId4"/>
+          <a:srcRect/>
+          <a:stretch>
+            <a:fillRect/>
+          </a:stretch>
+        </p:blipFill>
+        <p:spPr bwMode="auto">
+          <a:xfrm rot="10800000">
+            <a:off x="4301109" y="1424747"/>
+            <a:ext cx="485775" cy="76200"/>
+          </a:xfrm>
+          <a:prstGeom prst="rect">
+            <a:avLst/>
+          </a:prstGeom>
+          <a:noFill/>
+          <a:ln w="9525">
+            <a:noFill/>
+            <a:miter lim="800000"/>
+            <a:headEnd/>
+            <a:tailEnd/>
+          </a:ln>
+        </p:spPr>
+      </p:pic>
+      <p:pic>
+        <p:nvPicPr>
+          <p:cNvPr id="64" name="Picture 5"/>
+          <p:cNvPicPr>
+            <a:picLocks noChangeAspect="1" noChangeArrowheads="1"/>
+          </p:cNvPicPr>
+          <p:nvPr/>
+        </p:nvPicPr>
+        <p:blipFill>
+          <a:blip r:embed="rId4"/>
+          <a:srcRect/>
+          <a:stretch>
+            <a:fillRect/>
+          </a:stretch>
+        </p:blipFill>
+        <p:spPr bwMode="auto">
+          <a:xfrm>
+            <a:off x="4282828" y="1496754"/>
+            <a:ext cx="485775" cy="76200"/>
+          </a:xfrm>
+          <a:prstGeom prst="rect">
+            <a:avLst/>
+          </a:prstGeom>
+          <a:noFill/>
+          <a:ln w="9525">
+            <a:noFill/>
+            <a:miter lim="800000"/>
+            <a:headEnd/>
+            <a:tailEnd/>
+          </a:ln>
+        </p:spPr>
+      </p:pic>
+      <p:pic>
+        <p:nvPicPr>
+          <p:cNvPr id="65" name="Picture 3"/>
+          <p:cNvPicPr>
+            <a:picLocks noChangeAspect="1" noChangeArrowheads="1"/>
+          </p:cNvPicPr>
+          <p:nvPr/>
+        </p:nvPicPr>
+        <p:blipFill>
+          <a:blip r:embed="rId3"/>
+          <a:srcRect/>
+          <a:stretch>
+            <a:fillRect/>
+          </a:stretch>
+        </p:blipFill>
+        <p:spPr bwMode="auto">
+          <a:xfrm>
+            <a:off x="4000496" y="1995680"/>
+            <a:ext cx="1231337" cy="288032"/>
+          </a:xfrm>
+          <a:prstGeom prst="rect">
+            <a:avLst/>
+          </a:prstGeom>
+          <a:noFill/>
+          <a:ln w="9525">
+            <a:noFill/>
+            <a:miter lim="800000"/>
+            <a:headEnd/>
+            <a:tailEnd/>
+          </a:ln>
+        </p:spPr>
+      </p:pic>
+      <p:pic>
+        <p:nvPicPr>
+          <p:cNvPr id="66" name="Picture 4"/>
+          <p:cNvPicPr>
+            <a:picLocks noChangeAspect="1" noChangeArrowheads="1"/>
+          </p:cNvPicPr>
+          <p:nvPr/>
+        </p:nvPicPr>
+        <p:blipFill>
+          <a:blip r:embed="rId4"/>
+          <a:srcRect/>
+          <a:stretch>
+            <a:fillRect/>
+          </a:stretch>
+        </p:blipFill>
+        <p:spPr bwMode="auto">
+          <a:xfrm rot="10800000">
+            <a:off x="3653968" y="2067689"/>
+            <a:ext cx="485775" cy="76200"/>
+          </a:xfrm>
+          <a:prstGeom prst="rect">
+            <a:avLst/>
+          </a:prstGeom>
+          <a:noFill/>
+          <a:ln w="9525">
+            <a:noFill/>
+            <a:miter lim="800000"/>
+            <a:headEnd/>
+            <a:tailEnd/>
+          </a:ln>
+        </p:spPr>
+      </p:pic>
+      <p:pic>
+        <p:nvPicPr>
+          <p:cNvPr id="67" name="Picture 5"/>
+          <p:cNvPicPr>
+            <a:picLocks noChangeAspect="1" noChangeArrowheads="1"/>
+          </p:cNvPicPr>
+          <p:nvPr/>
+        </p:nvPicPr>
+        <p:blipFill>
+          <a:blip r:embed="rId4"/>
+          <a:srcRect/>
+          <a:stretch>
+            <a:fillRect/>
+          </a:stretch>
+        </p:blipFill>
+        <p:spPr bwMode="auto">
+          <a:xfrm>
+            <a:off x="3635687" y="2139696"/>
+            <a:ext cx="485775" cy="76200"/>
+          </a:xfrm>
+          <a:prstGeom prst="rect">
+            <a:avLst/>
+          </a:prstGeom>
+          <a:noFill/>
+          <a:ln w="9525">
+            <a:noFill/>
+            <a:miter lim="800000"/>
+            <a:headEnd/>
+            <a:tailEnd/>
+          </a:ln>
+        </p:spPr>
+      </p:pic>
+      <p:pic>
+        <p:nvPicPr>
+          <p:cNvPr id="68" name="Picture 3"/>
+          <p:cNvPicPr>
+            <a:picLocks noChangeAspect="1" noChangeArrowheads="1"/>
+          </p:cNvPicPr>
+          <p:nvPr/>
+        </p:nvPicPr>
+        <p:blipFill>
+          <a:blip r:embed="rId3"/>
+          <a:srcRect/>
+          <a:stretch>
+            <a:fillRect/>
+          </a:stretch>
+        </p:blipFill>
+        <p:spPr bwMode="auto">
+          <a:xfrm>
+            <a:off x="5500694" y="1995680"/>
+            <a:ext cx="1231337" cy="288032"/>
+          </a:xfrm>
+          <a:prstGeom prst="rect">
+            <a:avLst/>
+          </a:prstGeom>
+          <a:noFill/>
+          <a:ln w="9525">
+            <a:noFill/>
+            <a:miter lim="800000"/>
+            <a:headEnd/>
+            <a:tailEnd/>
+          </a:ln>
+        </p:spPr>
+      </p:pic>
+      <p:pic>
+        <p:nvPicPr>
+          <p:cNvPr id="69" name="Picture 4"/>
+          <p:cNvPicPr>
+            <a:picLocks noChangeAspect="1" noChangeArrowheads="1"/>
+          </p:cNvPicPr>
+          <p:nvPr/>
+        </p:nvPicPr>
+        <p:blipFill>
+          <a:blip r:embed="rId4"/>
+          <a:srcRect/>
+          <a:stretch>
+            <a:fillRect/>
+          </a:stretch>
+        </p:blipFill>
+        <p:spPr bwMode="auto">
+          <a:xfrm rot="10800000">
+            <a:off x="5086927" y="2067689"/>
+            <a:ext cx="485775" cy="76200"/>
+          </a:xfrm>
+          <a:prstGeom prst="rect">
+            <a:avLst/>
+          </a:prstGeom>
+          <a:noFill/>
+          <a:ln w="9525">
+            <a:noFill/>
+            <a:miter lim="800000"/>
+            <a:headEnd/>
+            <a:tailEnd/>
+          </a:ln>
+        </p:spPr>
+      </p:pic>
+      <p:pic>
+        <p:nvPicPr>
+          <p:cNvPr id="70" name="Picture 5"/>
+          <p:cNvPicPr>
+            <a:picLocks noChangeAspect="1" noChangeArrowheads="1"/>
+          </p:cNvPicPr>
+          <p:nvPr/>
+        </p:nvPicPr>
+        <p:blipFill>
+          <a:blip r:embed="rId4"/>
+          <a:srcRect/>
+          <a:stretch>
+            <a:fillRect/>
+          </a:stretch>
+        </p:blipFill>
+        <p:spPr bwMode="auto">
+          <a:xfrm>
+            <a:off x="5068646" y="2139696"/>
+            <a:ext cx="485775" cy="76200"/>
+          </a:xfrm>
+          <a:prstGeom prst="rect">
+            <a:avLst/>
+          </a:prstGeom>
+          <a:noFill/>
+          <a:ln w="9525">
+            <a:noFill/>
+            <a:miter lim="800000"/>
+            <a:headEnd/>
+            <a:tailEnd/>
+          </a:ln>
+        </p:spPr>
+      </p:pic>
+      <p:pic>
+        <p:nvPicPr>
+          <p:cNvPr id="71" name="Picture 3"/>
+          <p:cNvPicPr>
+            <a:picLocks noChangeAspect="1" noChangeArrowheads="1"/>
+          </p:cNvPicPr>
+          <p:nvPr/>
+        </p:nvPicPr>
+        <p:blipFill>
+          <a:blip r:embed="rId3"/>
+          <a:srcRect/>
+          <a:stretch>
+            <a:fillRect/>
+          </a:stretch>
+        </p:blipFill>
+        <p:spPr bwMode="auto">
+          <a:xfrm>
+            <a:off x="2643174" y="4924638"/>
+            <a:ext cx="1231337" cy="288032"/>
+          </a:xfrm>
+          <a:prstGeom prst="rect">
+            <a:avLst/>
+          </a:prstGeom>
+          <a:noFill/>
+          <a:ln w="9525">
+            <a:noFill/>
+            <a:miter lim="800000"/>
+            <a:headEnd/>
+            <a:tailEnd/>
+          </a:ln>
+        </p:spPr>
+      </p:pic>
+      <p:pic>
+        <p:nvPicPr>
+          <p:cNvPr id="72" name="Picture 3"/>
+          <p:cNvPicPr>
+            <a:picLocks noChangeAspect="1" noChangeArrowheads="1"/>
+          </p:cNvPicPr>
+          <p:nvPr/>
+        </p:nvPicPr>
+        <p:blipFill>
+          <a:blip r:embed="rId3"/>
+          <a:srcRect/>
+          <a:stretch>
+            <a:fillRect/>
+          </a:stretch>
+        </p:blipFill>
+        <p:spPr bwMode="auto">
+          <a:xfrm>
+            <a:off x="1853157" y="4281696"/>
+            <a:ext cx="1231337" cy="288032"/>
+          </a:xfrm>
+          <a:prstGeom prst="rect">
+            <a:avLst/>
+          </a:prstGeom>
+          <a:noFill/>
+          <a:ln w="9525">
+            <a:noFill/>
+            <a:miter lim="800000"/>
+            <a:headEnd/>
+            <a:tailEnd/>
+          </a:ln>
+        </p:spPr>
+      </p:pic>
+      <p:pic>
+        <p:nvPicPr>
+          <p:cNvPr id="73" name="Picture 3"/>
+          <p:cNvPicPr>
+            <a:picLocks noChangeAspect="1" noChangeArrowheads="1"/>
+          </p:cNvPicPr>
+          <p:nvPr/>
+        </p:nvPicPr>
+        <p:blipFill>
+          <a:blip r:embed="rId3"/>
+          <a:srcRect/>
+          <a:stretch>
+            <a:fillRect/>
+          </a:stretch>
+        </p:blipFill>
+        <p:spPr bwMode="auto">
+          <a:xfrm>
+            <a:off x="1071538" y="4853200"/>
+            <a:ext cx="1231337" cy="288032"/>
+          </a:xfrm>
+          <a:prstGeom prst="rect">
+            <a:avLst/>
+          </a:prstGeom>
+          <a:noFill/>
+          <a:ln w="9525">
+            <a:noFill/>
+            <a:miter lim="800000"/>
+            <a:headEnd/>
+            <a:tailEnd/>
+          </a:ln>
+        </p:spPr>
+      </p:pic>
+      <p:pic>
+        <p:nvPicPr>
+          <p:cNvPr id="74" name="Picture 3"/>
+          <p:cNvPicPr>
+            <a:picLocks noChangeAspect="1" noChangeArrowheads="1"/>
+          </p:cNvPicPr>
+          <p:nvPr/>
+        </p:nvPicPr>
+        <p:blipFill>
+          <a:blip r:embed="rId3"/>
+          <a:srcRect/>
+          <a:stretch>
+            <a:fillRect/>
+          </a:stretch>
+        </p:blipFill>
+        <p:spPr bwMode="auto">
+          <a:xfrm>
+            <a:off x="3214678" y="4281696"/>
+            <a:ext cx="1231337" cy="288032"/>
+          </a:xfrm>
+          <a:prstGeom prst="rect">
+            <a:avLst/>
+          </a:prstGeom>
+          <a:noFill/>
+          <a:ln w="9525">
+            <a:noFill/>
+            <a:miter lim="800000"/>
+            <a:headEnd/>
+            <a:tailEnd/>
+          </a:ln>
+        </p:spPr>
+      </p:pic>
+      <p:pic>
+        <p:nvPicPr>
+          <p:cNvPr id="75" name="Picture 4"/>
+          <p:cNvPicPr>
+            <a:picLocks noChangeAspect="1" noChangeArrowheads="1"/>
+          </p:cNvPicPr>
+          <p:nvPr/>
+        </p:nvPicPr>
+        <p:blipFill>
+          <a:blip r:embed="rId4"/>
+          <a:srcRect/>
+          <a:stretch>
+            <a:fillRect/>
+          </a:stretch>
+        </p:blipFill>
+        <p:spPr bwMode="auto">
+          <a:xfrm rot="10800000">
+            <a:off x="2868150" y="4353705"/>
+            <a:ext cx="485775" cy="76200"/>
+          </a:xfrm>
+          <a:prstGeom prst="rect">
+            <a:avLst/>
+          </a:prstGeom>
+          <a:noFill/>
+          <a:ln w="9525">
+            <a:noFill/>
+            <a:miter lim="800000"/>
+            <a:headEnd/>
+            <a:tailEnd/>
+          </a:ln>
+        </p:spPr>
+      </p:pic>
+      <p:pic>
+        <p:nvPicPr>
+          <p:cNvPr id="76" name="Picture 5"/>
+          <p:cNvPicPr>
+            <a:picLocks noChangeAspect="1" noChangeArrowheads="1"/>
+          </p:cNvPicPr>
+          <p:nvPr/>
+        </p:nvPicPr>
+        <p:blipFill>
+          <a:blip r:embed="rId4"/>
+          <a:srcRect/>
+          <a:stretch>
+            <a:fillRect/>
+          </a:stretch>
+        </p:blipFill>
+        <p:spPr bwMode="auto">
+          <a:xfrm>
+            <a:off x="2849869" y="4425712"/>
+            <a:ext cx="485775" cy="76200"/>
+          </a:xfrm>
+          <a:prstGeom prst="rect">
+            <a:avLst/>
+          </a:prstGeom>
+          <a:noFill/>
+          <a:ln w="9525">
+            <a:noFill/>
+            <a:miter lim="800000"/>
+            <a:headEnd/>
+            <a:tailEnd/>
+          </a:ln>
+        </p:spPr>
+      </p:pic>
+      <p:pic>
+        <p:nvPicPr>
+          <p:cNvPr id="77" name="Picture 3"/>
+          <p:cNvPicPr>
+            <a:picLocks noChangeAspect="1" noChangeArrowheads="1"/>
+          </p:cNvPicPr>
+          <p:nvPr/>
+        </p:nvPicPr>
+        <p:blipFill>
+          <a:blip r:embed="rId3"/>
+          <a:srcRect/>
+          <a:stretch>
+            <a:fillRect/>
+          </a:stretch>
+        </p:blipFill>
+        <p:spPr bwMode="auto">
+          <a:xfrm>
+            <a:off x="4714876" y="4281696"/>
+            <a:ext cx="1231337" cy="288032"/>
+          </a:xfrm>
+          <a:prstGeom prst="rect">
+            <a:avLst/>
+          </a:prstGeom>
+          <a:noFill/>
+          <a:ln w="9525">
+            <a:noFill/>
+            <a:miter lim="800000"/>
+            <a:headEnd/>
+            <a:tailEnd/>
+          </a:ln>
+        </p:spPr>
+      </p:pic>
+      <p:pic>
+        <p:nvPicPr>
+          <p:cNvPr id="78" name="Picture 4"/>
+          <p:cNvPicPr>
+            <a:picLocks noChangeAspect="1" noChangeArrowheads="1"/>
+          </p:cNvPicPr>
+          <p:nvPr/>
+        </p:nvPicPr>
+        <p:blipFill>
+          <a:blip r:embed="rId4"/>
+          <a:srcRect/>
+          <a:stretch>
+            <a:fillRect/>
+          </a:stretch>
+        </p:blipFill>
+        <p:spPr bwMode="auto">
+          <a:xfrm rot="10800000">
+            <a:off x="4301109" y="4353705"/>
+            <a:ext cx="485775" cy="76200"/>
+          </a:xfrm>
+          <a:prstGeom prst="rect">
+            <a:avLst/>
+          </a:prstGeom>
+          <a:noFill/>
+          <a:ln w="9525">
+            <a:noFill/>
+            <a:miter lim="800000"/>
+            <a:headEnd/>
+            <a:tailEnd/>
+          </a:ln>
+        </p:spPr>
+      </p:pic>
+      <p:pic>
+        <p:nvPicPr>
+          <p:cNvPr id="79" name="Picture 5"/>
+          <p:cNvPicPr>
+            <a:picLocks noChangeAspect="1" noChangeArrowheads="1"/>
+          </p:cNvPicPr>
+          <p:nvPr/>
+        </p:nvPicPr>
+        <p:blipFill>
+          <a:blip r:embed="rId4"/>
+          <a:srcRect/>
+          <a:stretch>
+            <a:fillRect/>
+          </a:stretch>
+        </p:blipFill>
+        <p:spPr bwMode="auto">
+          <a:xfrm>
+            <a:off x="4282828" y="4425712"/>
+            <a:ext cx="485775" cy="76200"/>
+          </a:xfrm>
+          <a:prstGeom prst="rect">
+            <a:avLst/>
+          </a:prstGeom>
+          <a:noFill/>
+          <a:ln w="9525">
+            <a:noFill/>
+            <a:miter lim="800000"/>
+            <a:headEnd/>
+            <a:tailEnd/>
+          </a:ln>
+        </p:spPr>
+      </p:pic>
+      <p:pic>
+        <p:nvPicPr>
+          <p:cNvPr id="80" name="Picture 3"/>
+          <p:cNvPicPr>
+            <a:picLocks noChangeAspect="1" noChangeArrowheads="1"/>
+          </p:cNvPicPr>
+          <p:nvPr/>
+        </p:nvPicPr>
+        <p:blipFill>
+          <a:blip r:embed="rId3"/>
+          <a:srcRect/>
+          <a:stretch>
+            <a:fillRect/>
+          </a:stretch>
+        </p:blipFill>
+        <p:spPr bwMode="auto">
+          <a:xfrm>
+            <a:off x="4000496" y="4924638"/>
+            <a:ext cx="1231337" cy="288032"/>
+          </a:xfrm>
+          <a:prstGeom prst="rect">
+            <a:avLst/>
+          </a:prstGeom>
+          <a:noFill/>
+          <a:ln w="9525">
+            <a:noFill/>
+            <a:miter lim="800000"/>
+            <a:headEnd/>
+            <a:tailEnd/>
+          </a:ln>
+        </p:spPr>
+      </p:pic>
+      <p:pic>
+        <p:nvPicPr>
+          <p:cNvPr id="81" name="Picture 4"/>
+          <p:cNvPicPr>
+            <a:picLocks noChangeAspect="1" noChangeArrowheads="1"/>
+          </p:cNvPicPr>
+          <p:nvPr/>
+        </p:nvPicPr>
+        <p:blipFill>
+          <a:blip r:embed="rId4"/>
+          <a:srcRect/>
+          <a:stretch>
+            <a:fillRect/>
+          </a:stretch>
+        </p:blipFill>
+        <p:spPr bwMode="auto">
+          <a:xfrm rot="10800000">
+            <a:off x="3653968" y="4996647"/>
+            <a:ext cx="485775" cy="76200"/>
+          </a:xfrm>
+          <a:prstGeom prst="rect">
+            <a:avLst/>
+          </a:prstGeom>
+          <a:noFill/>
+          <a:ln w="9525">
+            <a:noFill/>
+            <a:miter lim="800000"/>
+            <a:headEnd/>
+            <a:tailEnd/>
+          </a:ln>
+        </p:spPr>
+      </p:pic>
+      <p:pic>
+        <p:nvPicPr>
+          <p:cNvPr id="82" name="Picture 5"/>
+          <p:cNvPicPr>
+            <a:picLocks noChangeAspect="1" noChangeArrowheads="1"/>
+          </p:cNvPicPr>
+          <p:nvPr/>
+        </p:nvPicPr>
+        <p:blipFill>
+          <a:blip r:embed="rId4"/>
+          <a:srcRect/>
+          <a:stretch>
+            <a:fillRect/>
+          </a:stretch>
+        </p:blipFill>
+        <p:spPr bwMode="auto">
+          <a:xfrm>
+            <a:off x="3635687" y="5068654"/>
+            <a:ext cx="485775" cy="76200"/>
+          </a:xfrm>
+          <a:prstGeom prst="rect">
+            <a:avLst/>
+          </a:prstGeom>
+          <a:noFill/>
+          <a:ln w="9525">
+            <a:noFill/>
+            <a:miter lim="800000"/>
+            <a:headEnd/>
+            <a:tailEnd/>
+          </a:ln>
+        </p:spPr>
+      </p:pic>
+      <p:pic>
+        <p:nvPicPr>
+          <p:cNvPr id="83" name="Picture 3"/>
+          <p:cNvPicPr>
+            <a:picLocks noChangeAspect="1" noChangeArrowheads="1"/>
+          </p:cNvPicPr>
+          <p:nvPr/>
+        </p:nvPicPr>
+        <p:blipFill>
+          <a:blip r:embed="rId3"/>
+          <a:srcRect/>
+          <a:stretch>
+            <a:fillRect/>
+          </a:stretch>
+        </p:blipFill>
+        <p:spPr bwMode="auto">
+          <a:xfrm>
+            <a:off x="5500694" y="4924638"/>
+            <a:ext cx="1231337" cy="288032"/>
+          </a:xfrm>
+          <a:prstGeom prst="rect">
+            <a:avLst/>
+          </a:prstGeom>
+          <a:noFill/>
+          <a:ln w="9525">
+            <a:noFill/>
+            <a:miter lim="800000"/>
+            <a:headEnd/>
+            <a:tailEnd/>
+          </a:ln>
+        </p:spPr>
+      </p:pic>
+      <p:pic>
+        <p:nvPicPr>
+          <p:cNvPr id="84" name="Picture 4"/>
+          <p:cNvPicPr>
+            <a:picLocks noChangeAspect="1" noChangeArrowheads="1"/>
+          </p:cNvPicPr>
+          <p:nvPr/>
+        </p:nvPicPr>
+        <p:blipFill>
+          <a:blip r:embed="rId4"/>
+          <a:srcRect/>
+          <a:stretch>
+            <a:fillRect/>
+          </a:stretch>
+        </p:blipFill>
+        <p:spPr bwMode="auto">
+          <a:xfrm rot="10800000">
+            <a:off x="5086927" y="4996647"/>
+            <a:ext cx="485775" cy="76200"/>
+          </a:xfrm>
+          <a:prstGeom prst="rect">
+            <a:avLst/>
+          </a:prstGeom>
+          <a:noFill/>
+          <a:ln w="9525">
+            <a:noFill/>
+            <a:miter lim="800000"/>
+            <a:headEnd/>
+            <a:tailEnd/>
+          </a:ln>
+        </p:spPr>
+      </p:pic>
+      <p:pic>
+        <p:nvPicPr>
+          <p:cNvPr id="85" name="Picture 5"/>
+          <p:cNvPicPr>
+            <a:picLocks noChangeAspect="1" noChangeArrowheads="1"/>
+          </p:cNvPicPr>
+          <p:nvPr/>
+        </p:nvPicPr>
+        <p:blipFill>
+          <a:blip r:embed="rId4"/>
+          <a:srcRect/>
+          <a:stretch>
+            <a:fillRect/>
+          </a:stretch>
+        </p:blipFill>
+        <p:spPr bwMode="auto">
+          <a:xfrm>
+            <a:off x="5068646" y="5068654"/>
+            <a:ext cx="485775" cy="76200"/>
+          </a:xfrm>
+          <a:prstGeom prst="rect">
+            <a:avLst/>
+          </a:prstGeom>
+          <a:noFill/>
+          <a:ln w="9525">
+            <a:noFill/>
+            <a:miter lim="800000"/>
+            <a:headEnd/>
+            <a:tailEnd/>
+          </a:ln>
+        </p:spPr>
+      </p:pic>
+      <p:pic>
+        <p:nvPicPr>
+          <p:cNvPr id="86" name="Picture 3"/>
+          <p:cNvPicPr>
+            <a:picLocks noChangeAspect="1" noChangeArrowheads="1"/>
+          </p:cNvPicPr>
+          <p:nvPr/>
+        </p:nvPicPr>
+        <p:blipFill>
+          <a:blip r:embed="rId3"/>
+          <a:srcRect/>
+          <a:stretch>
+            <a:fillRect/>
+          </a:stretch>
+        </p:blipFill>
+        <p:spPr bwMode="auto">
+          <a:xfrm>
+            <a:off x="1857356" y="2640902"/>
+            <a:ext cx="1231337" cy="288032"/>
+          </a:xfrm>
+          <a:prstGeom prst="rect">
+            <a:avLst/>
+          </a:prstGeom>
+          <a:noFill/>
+          <a:ln w="9525">
+            <a:noFill/>
+            <a:miter lim="800000"/>
+            <a:headEnd/>
+            <a:tailEnd/>
+          </a:ln>
+        </p:spPr>
+      </p:pic>
+      <p:pic>
+        <p:nvPicPr>
+          <p:cNvPr id="87" name="Picture 3"/>
+          <p:cNvPicPr>
+            <a:picLocks noChangeAspect="1" noChangeArrowheads="1"/>
+          </p:cNvPicPr>
+          <p:nvPr/>
+        </p:nvPicPr>
+        <p:blipFill>
+          <a:blip r:embed="rId3"/>
+          <a:srcRect/>
+          <a:stretch>
+            <a:fillRect/>
+          </a:stretch>
+        </p:blipFill>
+        <p:spPr bwMode="auto">
+          <a:xfrm>
+            <a:off x="3286116" y="2640902"/>
+            <a:ext cx="1231337" cy="288032"/>
+          </a:xfrm>
+          <a:prstGeom prst="rect">
+            <a:avLst/>
+          </a:prstGeom>
+          <a:noFill/>
+          <a:ln w="9525">
+            <a:noFill/>
+            <a:miter lim="800000"/>
+            <a:headEnd/>
+            <a:tailEnd/>
+          </a:ln>
+        </p:spPr>
+      </p:pic>
+      <p:pic>
+        <p:nvPicPr>
+          <p:cNvPr id="88" name="Picture 4"/>
+          <p:cNvPicPr>
+            <a:picLocks noChangeAspect="1" noChangeArrowheads="1"/>
+          </p:cNvPicPr>
+          <p:nvPr/>
+        </p:nvPicPr>
+        <p:blipFill>
+          <a:blip r:embed="rId4"/>
+          <a:srcRect/>
+          <a:stretch>
+            <a:fillRect/>
+          </a:stretch>
+        </p:blipFill>
+        <p:spPr bwMode="auto">
+          <a:xfrm rot="10800000">
+            <a:off x="2872349" y="2712911"/>
+            <a:ext cx="485775" cy="76200"/>
+          </a:xfrm>
+          <a:prstGeom prst="rect">
+            <a:avLst/>
+          </a:prstGeom>
+          <a:noFill/>
+          <a:ln w="9525">
+            <a:noFill/>
+            <a:miter lim="800000"/>
+            <a:headEnd/>
+            <a:tailEnd/>
+          </a:ln>
+        </p:spPr>
+      </p:pic>
+      <p:pic>
+        <p:nvPicPr>
+          <p:cNvPr id="89" name="Picture 5"/>
+          <p:cNvPicPr>
+            <a:picLocks noChangeAspect="1" noChangeArrowheads="1"/>
+          </p:cNvPicPr>
+          <p:nvPr/>
+        </p:nvPicPr>
+        <p:blipFill>
+          <a:blip r:embed="rId4"/>
+          <a:srcRect/>
+          <a:stretch>
+            <a:fillRect/>
+          </a:stretch>
+        </p:blipFill>
+        <p:spPr bwMode="auto">
+          <a:xfrm>
+            <a:off x="2854068" y="2784918"/>
+            <a:ext cx="485775" cy="76200"/>
+          </a:xfrm>
+          <a:prstGeom prst="rect">
+            <a:avLst/>
+          </a:prstGeom>
+          <a:noFill/>
+          <a:ln w="9525">
+            <a:noFill/>
+            <a:miter lim="800000"/>
+            <a:headEnd/>
+            <a:tailEnd/>
+          </a:ln>
+        </p:spPr>
+      </p:pic>
+      <p:pic>
+        <p:nvPicPr>
+          <p:cNvPr id="90" name="Picture 3"/>
+          <p:cNvPicPr>
+            <a:picLocks noChangeAspect="1" noChangeArrowheads="1"/>
+          </p:cNvPicPr>
+          <p:nvPr/>
+        </p:nvPicPr>
+        <p:blipFill>
+          <a:blip r:embed="rId3"/>
+          <a:srcRect/>
+          <a:stretch>
+            <a:fillRect/>
+          </a:stretch>
+        </p:blipFill>
+        <p:spPr bwMode="auto">
+          <a:xfrm>
+            <a:off x="285720" y="5569860"/>
+            <a:ext cx="1231337" cy="288032"/>
+          </a:xfrm>
+          <a:prstGeom prst="rect">
+            <a:avLst/>
+          </a:prstGeom>
+          <a:noFill/>
+          <a:ln w="9525">
+            <a:noFill/>
+            <a:miter lim="800000"/>
+            <a:headEnd/>
+            <a:tailEnd/>
+          </a:ln>
+        </p:spPr>
+      </p:pic>
+      <p:pic>
+        <p:nvPicPr>
+          <p:cNvPr id="91" name="Picture 3"/>
+          <p:cNvPicPr>
+            <a:picLocks noChangeAspect="1" noChangeArrowheads="1"/>
+          </p:cNvPicPr>
+          <p:nvPr/>
+        </p:nvPicPr>
+        <p:blipFill>
+          <a:blip r:embed="rId3"/>
+          <a:srcRect/>
+          <a:stretch>
+            <a:fillRect/>
+          </a:stretch>
+        </p:blipFill>
+        <p:spPr bwMode="auto">
+          <a:xfrm>
+            <a:off x="1643042" y="5569860"/>
+            <a:ext cx="1231337" cy="288032"/>
+          </a:xfrm>
+          <a:prstGeom prst="rect">
+            <a:avLst/>
+          </a:prstGeom>
+          <a:noFill/>
+          <a:ln w="9525">
+            <a:noFill/>
+            <a:miter lim="800000"/>
+            <a:headEnd/>
+            <a:tailEnd/>
+          </a:ln>
+        </p:spPr>
+      </p:pic>
+      <p:pic>
+        <p:nvPicPr>
+          <p:cNvPr id="92" name="Picture 4"/>
+          <p:cNvPicPr>
+            <a:picLocks noChangeAspect="1" noChangeArrowheads="1"/>
+          </p:cNvPicPr>
+          <p:nvPr/>
+        </p:nvPicPr>
+        <p:blipFill>
+          <a:blip r:embed="rId4"/>
+          <a:srcRect/>
+          <a:stretch>
+            <a:fillRect/>
+          </a:stretch>
+        </p:blipFill>
+        <p:spPr bwMode="auto">
+          <a:xfrm rot="10800000">
+            <a:off x="1296514" y="5641869"/>
+            <a:ext cx="485775" cy="76200"/>
+          </a:xfrm>
+          <a:prstGeom prst="rect">
+            <a:avLst/>
+          </a:prstGeom>
+          <a:noFill/>
+          <a:ln w="9525">
+            <a:noFill/>
+            <a:miter lim="800000"/>
+            <a:headEnd/>
+            <a:tailEnd/>
+          </a:ln>
+        </p:spPr>
+      </p:pic>
+      <p:pic>
+        <p:nvPicPr>
+          <p:cNvPr id="93" name="Picture 5"/>
+          <p:cNvPicPr>
+            <a:picLocks noChangeAspect="1" noChangeArrowheads="1"/>
+          </p:cNvPicPr>
+          <p:nvPr/>
+        </p:nvPicPr>
+        <p:blipFill>
+          <a:blip r:embed="rId4"/>
+          <a:srcRect/>
+          <a:stretch>
+            <a:fillRect/>
+          </a:stretch>
+        </p:blipFill>
+        <p:spPr bwMode="auto">
+          <a:xfrm>
+            <a:off x="1278233" y="5713876"/>
+            <a:ext cx="485775" cy="76200"/>
+          </a:xfrm>
+          <a:prstGeom prst="rect">
+            <a:avLst/>
+          </a:prstGeom>
+          <a:noFill/>
+          <a:ln w="9525">
+            <a:noFill/>
+            <a:miter lim="800000"/>
+            <a:headEnd/>
+            <a:tailEnd/>
+          </a:ln>
+        </p:spPr>
+      </p:pic>
+      <p:pic>
+        <p:nvPicPr>
+          <p:cNvPr id="94" name="Picture 3"/>
+          <p:cNvPicPr>
+            <a:picLocks noChangeAspect="1" noChangeArrowheads="1"/>
+          </p:cNvPicPr>
+          <p:nvPr/>
+        </p:nvPicPr>
+        <p:blipFill>
+          <a:blip r:embed="rId3"/>
+          <a:srcRect/>
+          <a:stretch>
+            <a:fillRect/>
+          </a:stretch>
+        </p:blipFill>
+        <p:spPr bwMode="auto">
+          <a:xfrm>
+            <a:off x="3143240" y="5569860"/>
+            <a:ext cx="1231337" cy="288032"/>
+          </a:xfrm>
+          <a:prstGeom prst="rect">
+            <a:avLst/>
+          </a:prstGeom>
+          <a:noFill/>
+          <a:ln w="9525">
+            <a:noFill/>
+            <a:miter lim="800000"/>
+            <a:headEnd/>
+            <a:tailEnd/>
+          </a:ln>
+        </p:spPr>
+      </p:pic>
+      <p:pic>
+        <p:nvPicPr>
+          <p:cNvPr id="95" name="Picture 4"/>
+          <p:cNvPicPr>
+            <a:picLocks noChangeAspect="1" noChangeArrowheads="1"/>
+          </p:cNvPicPr>
+          <p:nvPr/>
+        </p:nvPicPr>
+        <p:blipFill>
+          <a:blip r:embed="rId4"/>
+          <a:srcRect/>
+          <a:stretch>
+            <a:fillRect/>
+          </a:stretch>
+        </p:blipFill>
+        <p:spPr bwMode="auto">
+          <a:xfrm rot="10800000">
+            <a:off x="2729473" y="5641869"/>
+            <a:ext cx="485775" cy="76200"/>
+          </a:xfrm>
+          <a:prstGeom prst="rect">
+            <a:avLst/>
+          </a:prstGeom>
+          <a:noFill/>
+          <a:ln w="9525">
+            <a:noFill/>
+            <a:miter lim="800000"/>
+            <a:headEnd/>
+            <a:tailEnd/>
+          </a:ln>
+        </p:spPr>
+      </p:pic>
+      <p:pic>
+        <p:nvPicPr>
+          <p:cNvPr id="96" name="Picture 5"/>
+          <p:cNvPicPr>
+            <a:picLocks noChangeAspect="1" noChangeArrowheads="1"/>
+          </p:cNvPicPr>
+          <p:nvPr/>
+        </p:nvPicPr>
+        <p:blipFill>
+          <a:blip r:embed="rId4"/>
+          <a:srcRect/>
+          <a:stretch>
+            <a:fillRect/>
+          </a:stretch>
+        </p:blipFill>
+        <p:spPr bwMode="auto">
+          <a:xfrm>
+            <a:off x="2711192" y="5713876"/>
+            <a:ext cx="485775" cy="76200"/>
+          </a:xfrm>
+          <a:prstGeom prst="rect">
+            <a:avLst/>
+          </a:prstGeom>
+          <a:noFill/>
+          <a:ln w="9525">
+            <a:noFill/>
+            <a:miter lim="800000"/>
+            <a:headEnd/>
+            <a:tailEnd/>
+          </a:ln>
+        </p:spPr>
+      </p:pic>
+      <p:sp>
+        <p:nvSpPr>
+          <p:cNvPr id="97" name="TextBox 96"/>
+          <p:cNvSpPr txBox="1"/>
+          <p:nvPr/>
+        </p:nvSpPr>
+        <p:spPr>
+          <a:xfrm>
+            <a:off x="1283002" y="1212142"/>
+            <a:ext cx="360040" cy="369332"/>
+          </a:xfrm>
+          <a:prstGeom prst="rect">
+            <a:avLst/>
+          </a:prstGeom>
+          <a:noFill/>
+        </p:spPr>
+        <p:txBody>
+          <a:bodyPr wrap="square" rtlCol="0">
+            <a:spAutoFit/>
+          </a:bodyPr>
+          <a:lstStyle/>
+          <a:p>
+            <a:r>
+              <a:rPr lang="en-US" altLang="zh-CN" dirty="0" smtClean="0">
+                <a:latin typeface="黑体" pitchFamily="2" charset="-122"/>
+                <a:ea typeface="黑体" pitchFamily="2" charset="-122"/>
+              </a:rPr>
+              <a:t>1</a:t>
+            </a:r>
+            <a:endParaRPr lang="zh-CN" altLang="en-US" dirty="0">
+              <a:latin typeface="黑体" pitchFamily="2" charset="-122"/>
+              <a:ea typeface="黑体" pitchFamily="2" charset="-122"/>
+            </a:endParaRPr>
+          </a:p>
+        </p:txBody>
+      </p:sp>
+      <p:sp>
+        <p:nvSpPr>
+          <p:cNvPr id="98" name="TextBox 97"/>
+          <p:cNvSpPr txBox="1"/>
+          <p:nvPr/>
+        </p:nvSpPr>
+        <p:spPr>
+          <a:xfrm>
+            <a:off x="1211564" y="69134"/>
+            <a:ext cx="360040" cy="369332"/>
+          </a:xfrm>
+          <a:prstGeom prst="rect">
+            <a:avLst/>
+          </a:prstGeom>
+          <a:noFill/>
+        </p:spPr>
+        <p:txBody>
+          <a:bodyPr wrap="square" rtlCol="0">
+            <a:spAutoFit/>
+          </a:bodyPr>
+          <a:lstStyle/>
+          <a:p>
+            <a:r>
+              <a:rPr lang="en-US" altLang="zh-CN" dirty="0" smtClean="0">
+                <a:latin typeface="黑体" pitchFamily="2" charset="-122"/>
+                <a:ea typeface="黑体" pitchFamily="2" charset="-122"/>
+              </a:rPr>
+              <a:t>0</a:t>
+            </a:r>
+            <a:endParaRPr lang="zh-CN" altLang="en-US" dirty="0">
+              <a:latin typeface="黑体" pitchFamily="2" charset="-122"/>
+              <a:ea typeface="黑体" pitchFamily="2" charset="-122"/>
+            </a:endParaRPr>
+          </a:p>
+        </p:txBody>
+      </p:sp>
+      <p:sp>
+        <p:nvSpPr>
+          <p:cNvPr id="99" name="TextBox 98"/>
+          <p:cNvSpPr txBox="1"/>
+          <p:nvPr/>
+        </p:nvSpPr>
+        <p:spPr>
+          <a:xfrm>
+            <a:off x="1285852" y="4212538"/>
+            <a:ext cx="500066" cy="369332"/>
+          </a:xfrm>
+          <a:prstGeom prst="rect">
+            <a:avLst/>
+          </a:prstGeom>
+          <a:noFill/>
+        </p:spPr>
+        <p:txBody>
+          <a:bodyPr wrap="square" rtlCol="0">
+            <a:spAutoFit/>
+          </a:bodyPr>
+          <a:lstStyle/>
+          <a:p>
+            <a:r>
+              <a:rPr lang="en-US" altLang="zh-CN" dirty="0" smtClean="0">
+                <a:latin typeface="黑体" pitchFamily="2" charset="-122"/>
+                <a:ea typeface="黑体" pitchFamily="2" charset="-122"/>
+              </a:rPr>
+              <a:t>31</a:t>
+            </a:r>
+            <a:endParaRPr lang="zh-CN" altLang="en-US" dirty="0">
+              <a:latin typeface="黑体" pitchFamily="2" charset="-122"/>
+              <a:ea typeface="黑体" pitchFamily="2" charset="-122"/>
+            </a:endParaRPr>
+          </a:p>
+        </p:txBody>
+      </p:sp>
+      <p:sp>
+        <p:nvSpPr>
+          <p:cNvPr id="100" name="TextBox 99"/>
+          <p:cNvSpPr txBox="1"/>
+          <p:nvPr/>
+        </p:nvSpPr>
+        <p:spPr>
+          <a:xfrm>
+            <a:off x="1285852" y="3069530"/>
+            <a:ext cx="461665" cy="864096"/>
+          </a:xfrm>
+          <a:prstGeom prst="rect">
+            <a:avLst/>
+          </a:prstGeom>
+          <a:noFill/>
+        </p:spPr>
+        <p:txBody>
+          <a:bodyPr vert="eaVert" wrap="square" rtlCol="0">
+            <a:spAutoFit/>
+          </a:bodyPr>
+          <a:lstStyle/>
+          <a:p>
+            <a:r>
+              <a:rPr lang="en-US" altLang="zh-CN" dirty="0" smtClean="0">
+                <a:latin typeface="黑体" pitchFamily="2" charset="-122"/>
+                <a:ea typeface="黑体" pitchFamily="2" charset="-122"/>
+              </a:rPr>
+              <a:t>………</a:t>
+            </a:r>
+            <a:endParaRPr lang="zh-CN" altLang="en-US" dirty="0">
+              <a:latin typeface="黑体" pitchFamily="2" charset="-122"/>
+              <a:ea typeface="黑体" pitchFamily="2" charset="-122"/>
+            </a:endParaRPr>
+          </a:p>
+        </p:txBody>
+      </p:sp>
+      <p:cxnSp>
+        <p:nvCxnSpPr>
+          <p:cNvPr id="104" name="直接连接符 103"/>
+          <p:cNvCxnSpPr>
+            <a:stCxn id="42" idx="2"/>
+            <a:endCxn id="57" idx="0"/>
+          </p:cNvCxnSpPr>
+          <p:nvPr/>
+        </p:nvCxnSpPr>
+        <p:spPr>
+          <a:xfrm rot="16200000" flipH="1">
+            <a:off x="1937420" y="888571"/>
+            <a:ext cx="924134" cy="4199"/>
+          </a:xfrm>
+          <a:prstGeom prst="line">
+            <a:avLst/>
+          </a:prstGeom>
+        </p:spPr>
+        <p:style>
+          <a:lnRef idx="1">
+            <a:schemeClr val="dk1"/>
+          </a:lnRef>
+          <a:fillRef idx="0">
+            <a:schemeClr val="dk1"/>
+          </a:fillRef>
+          <a:effectRef idx="0">
+            <a:schemeClr val="dk1"/>
+          </a:effectRef>
+          <a:fontRef idx="minor">
+            <a:schemeClr val="tx1"/>
+          </a:fontRef>
+        </p:style>
+      </p:cxnSp>
+      <p:cxnSp>
+        <p:nvCxnSpPr>
+          <p:cNvPr id="116" name="直接连接符 115"/>
+          <p:cNvCxnSpPr/>
+          <p:nvPr/>
+        </p:nvCxnSpPr>
+        <p:spPr>
+          <a:xfrm rot="16200000" flipH="1">
+            <a:off x="2040330" y="3815250"/>
+            <a:ext cx="924134" cy="4199"/>
+          </a:xfrm>
+          <a:prstGeom prst="line">
+            <a:avLst/>
+          </a:prstGeom>
+        </p:spPr>
+        <p:style>
+          <a:lnRef idx="1">
+            <a:schemeClr val="dk1"/>
+          </a:lnRef>
+          <a:fillRef idx="0">
+            <a:schemeClr val="dk1"/>
+          </a:fillRef>
+          <a:effectRef idx="0">
+            <a:schemeClr val="dk1"/>
+          </a:effectRef>
+          <a:fontRef idx="minor">
+            <a:schemeClr val="tx1"/>
+          </a:fontRef>
+        </p:style>
+      </p:cxnSp>
+      <p:cxnSp>
+        <p:nvCxnSpPr>
+          <p:cNvPr id="117" name="直接连接符 116"/>
+          <p:cNvCxnSpPr/>
+          <p:nvPr/>
+        </p:nvCxnSpPr>
+        <p:spPr>
+          <a:xfrm rot="16200000" flipH="1">
+            <a:off x="2178827" y="1890802"/>
+            <a:ext cx="500067" cy="3"/>
+          </a:xfrm>
+          <a:prstGeom prst="line">
+            <a:avLst/>
+          </a:prstGeom>
+        </p:spPr>
+        <p:style>
+          <a:lnRef idx="1">
+            <a:schemeClr val="dk1"/>
+          </a:lnRef>
+          <a:fillRef idx="0">
+            <a:schemeClr val="dk1"/>
+          </a:fillRef>
+          <a:effectRef idx="0">
+            <a:schemeClr val="dk1"/>
+          </a:effectRef>
+          <a:fontRef idx="minor">
+            <a:schemeClr val="tx1"/>
+          </a:fontRef>
+        </p:style>
+      </p:cxnSp>
+      <p:cxnSp>
+        <p:nvCxnSpPr>
+          <p:cNvPr id="120" name="直接连接符 119"/>
+          <p:cNvCxnSpPr>
+            <a:stCxn id="42" idx="1"/>
+            <a:endCxn id="43" idx="0"/>
+          </p:cNvCxnSpPr>
+          <p:nvPr/>
+        </p:nvCxnSpPr>
+        <p:spPr>
+          <a:xfrm rot="10800000" flipV="1">
+            <a:off x="1615769" y="284588"/>
+            <a:ext cx="165950" cy="498926"/>
+          </a:xfrm>
+          <a:prstGeom prst="line">
+            <a:avLst/>
+          </a:prstGeom>
+        </p:spPr>
+        <p:style>
+          <a:lnRef idx="1">
+            <a:schemeClr val="dk1"/>
+          </a:lnRef>
+          <a:fillRef idx="0">
+            <a:schemeClr val="dk1"/>
+          </a:fillRef>
+          <a:effectRef idx="0">
+            <a:schemeClr val="dk1"/>
+          </a:effectRef>
+          <a:fontRef idx="minor">
+            <a:schemeClr val="tx1"/>
+          </a:fontRef>
+        </p:style>
+      </p:cxnSp>
+      <p:cxnSp>
+        <p:nvCxnSpPr>
+          <p:cNvPr id="122" name="直接连接符 121"/>
+          <p:cNvCxnSpPr>
+            <a:stCxn id="46" idx="0"/>
+            <a:endCxn id="23" idx="0"/>
+          </p:cNvCxnSpPr>
+          <p:nvPr/>
+        </p:nvCxnSpPr>
+        <p:spPr>
+          <a:xfrm rot="16200000" flipH="1">
+            <a:off x="2854899" y="451008"/>
+            <a:ext cx="498926" cy="166086"/>
+          </a:xfrm>
+          <a:prstGeom prst="line">
+            <a:avLst/>
+          </a:prstGeom>
+        </p:spPr>
+        <p:style>
+          <a:lnRef idx="1">
+            <a:schemeClr val="dk1"/>
+          </a:lnRef>
+          <a:fillRef idx="0">
+            <a:schemeClr val="dk1"/>
+          </a:fillRef>
+          <a:effectRef idx="0">
+            <a:schemeClr val="dk1"/>
+          </a:effectRef>
+          <a:fontRef idx="minor">
+            <a:schemeClr val="tx1"/>
+          </a:fontRef>
+        </p:style>
+      </p:cxnSp>
+      <p:cxnSp>
+        <p:nvCxnSpPr>
+          <p:cNvPr id="124" name="直接连接符 123"/>
+          <p:cNvCxnSpPr>
+            <a:stCxn id="57" idx="1"/>
+            <a:endCxn id="58" idx="0"/>
+          </p:cNvCxnSpPr>
+          <p:nvPr/>
+        </p:nvCxnSpPr>
+        <p:spPr>
+          <a:xfrm rot="10800000" flipV="1">
+            <a:off x="1687208" y="1496754"/>
+            <a:ext cx="98711" cy="498926"/>
+          </a:xfrm>
+          <a:prstGeom prst="line">
+            <a:avLst/>
+          </a:prstGeom>
+        </p:spPr>
+        <p:style>
+          <a:lnRef idx="1">
+            <a:schemeClr val="dk1"/>
+          </a:lnRef>
+          <a:fillRef idx="0">
+            <a:schemeClr val="dk1"/>
+          </a:fillRef>
+          <a:effectRef idx="0">
+            <a:schemeClr val="dk1"/>
+          </a:effectRef>
+          <a:fontRef idx="minor">
+            <a:schemeClr val="tx1"/>
+          </a:fontRef>
+        </p:style>
+      </p:cxnSp>
+      <p:cxnSp>
+        <p:nvCxnSpPr>
+          <p:cNvPr id="126" name="直接连接符 125"/>
+          <p:cNvCxnSpPr>
+            <a:endCxn id="56" idx="0"/>
+          </p:cNvCxnSpPr>
+          <p:nvPr/>
+        </p:nvCxnSpPr>
+        <p:spPr>
+          <a:xfrm rot="16200000" flipH="1">
+            <a:off x="2880712" y="1617549"/>
+            <a:ext cx="497784" cy="258477"/>
+          </a:xfrm>
+          <a:prstGeom prst="line">
+            <a:avLst/>
+          </a:prstGeom>
+        </p:spPr>
+        <p:style>
+          <a:lnRef idx="1">
+            <a:schemeClr val="dk1"/>
+          </a:lnRef>
+          <a:fillRef idx="0">
+            <a:schemeClr val="dk1"/>
+          </a:fillRef>
+          <a:effectRef idx="0">
+            <a:schemeClr val="dk1"/>
+          </a:effectRef>
+          <a:fontRef idx="minor">
+            <a:schemeClr val="tx1"/>
+          </a:fontRef>
+        </p:style>
+      </p:cxnSp>
+      <p:cxnSp>
+        <p:nvCxnSpPr>
+          <p:cNvPr id="129" name="直接连接符 128"/>
+          <p:cNvCxnSpPr>
+            <a:stCxn id="56" idx="1"/>
+            <a:endCxn id="86" idx="0"/>
+          </p:cNvCxnSpPr>
+          <p:nvPr/>
+        </p:nvCxnSpPr>
+        <p:spPr>
+          <a:xfrm rot="10800000" flipV="1">
+            <a:off x="2473026" y="2139696"/>
+            <a:ext cx="170149" cy="501206"/>
+          </a:xfrm>
+          <a:prstGeom prst="line">
+            <a:avLst/>
+          </a:prstGeom>
+        </p:spPr>
+        <p:style>
+          <a:lnRef idx="1">
+            <a:schemeClr val="dk1"/>
+          </a:lnRef>
+          <a:fillRef idx="0">
+            <a:schemeClr val="dk1"/>
+          </a:fillRef>
+          <a:effectRef idx="0">
+            <a:schemeClr val="dk1"/>
+          </a:effectRef>
+          <a:fontRef idx="minor">
+            <a:schemeClr val="tx1"/>
+          </a:fontRef>
+        </p:style>
+      </p:cxnSp>
+      <p:cxnSp>
+        <p:nvCxnSpPr>
+          <p:cNvPr id="131" name="直接连接符 130"/>
+          <p:cNvCxnSpPr>
+            <a:stCxn id="72" idx="1"/>
+            <a:endCxn id="73" idx="0"/>
+          </p:cNvCxnSpPr>
+          <p:nvPr/>
+        </p:nvCxnSpPr>
+        <p:spPr>
+          <a:xfrm rot="10800000" flipV="1">
+            <a:off x="1687207" y="4425712"/>
+            <a:ext cx="165950" cy="427488"/>
+          </a:xfrm>
+          <a:prstGeom prst="line">
+            <a:avLst/>
+          </a:prstGeom>
+        </p:spPr>
+        <p:style>
+          <a:lnRef idx="1">
+            <a:schemeClr val="dk1"/>
+          </a:lnRef>
+          <a:fillRef idx="0">
+            <a:schemeClr val="dk1"/>
+          </a:fillRef>
+          <a:effectRef idx="0">
+            <a:schemeClr val="dk1"/>
+          </a:effectRef>
+          <a:fontRef idx="minor">
+            <a:schemeClr val="tx1"/>
+          </a:fontRef>
+        </p:style>
+      </p:cxnSp>
+      <p:cxnSp>
+        <p:nvCxnSpPr>
+          <p:cNvPr id="135" name="直接连接符 134"/>
+          <p:cNvCxnSpPr>
+            <a:stCxn id="76" idx="0"/>
+            <a:endCxn id="71" idx="0"/>
+          </p:cNvCxnSpPr>
+          <p:nvPr/>
+        </p:nvCxnSpPr>
+        <p:spPr>
+          <a:xfrm rot="16200000" flipH="1">
+            <a:off x="2926337" y="4592132"/>
+            <a:ext cx="498926" cy="166086"/>
+          </a:xfrm>
+          <a:prstGeom prst="line">
+            <a:avLst/>
+          </a:prstGeom>
+        </p:spPr>
+        <p:style>
+          <a:lnRef idx="1">
+            <a:schemeClr val="dk1"/>
+          </a:lnRef>
+          <a:fillRef idx="0">
+            <a:schemeClr val="dk1"/>
+          </a:fillRef>
+          <a:effectRef idx="0">
+            <a:schemeClr val="dk1"/>
+          </a:effectRef>
+          <a:fontRef idx="minor">
+            <a:schemeClr val="tx1"/>
+          </a:fontRef>
+        </p:style>
+      </p:cxnSp>
+      <p:cxnSp>
+        <p:nvCxnSpPr>
+          <p:cNvPr id="137" name="直接连接符 136"/>
+          <p:cNvCxnSpPr>
+            <a:stCxn id="73" idx="1"/>
+            <a:endCxn id="90" idx="0"/>
+          </p:cNvCxnSpPr>
+          <p:nvPr/>
+        </p:nvCxnSpPr>
+        <p:spPr>
+          <a:xfrm rot="10800000" flipV="1">
+            <a:off x="901390" y="4997216"/>
+            <a:ext cx="170149" cy="572644"/>
+          </a:xfrm>
+          <a:prstGeom prst="line">
+            <a:avLst/>
+          </a:prstGeom>
+        </p:spPr>
+        <p:style>
+          <a:lnRef idx="1">
+            <a:schemeClr val="dk1"/>
+          </a:lnRef>
+          <a:fillRef idx="0">
+            <a:schemeClr val="dk1"/>
+          </a:fillRef>
+          <a:effectRef idx="0">
+            <a:schemeClr val="dk1"/>
+          </a:effectRef>
+          <a:fontRef idx="minor">
+            <a:schemeClr val="tx1"/>
+          </a:fontRef>
+        </p:style>
+      </p:cxnSp>
+      <p:sp>
+        <p:nvSpPr>
+          <p:cNvPr id="138" name="TextBox 137"/>
+          <p:cNvSpPr txBox="1"/>
+          <p:nvPr/>
+        </p:nvSpPr>
+        <p:spPr>
+          <a:xfrm>
+            <a:off x="1500166" y="6215082"/>
+            <a:ext cx="4500594" cy="369332"/>
+          </a:xfrm>
+          <a:prstGeom prst="rect">
+            <a:avLst/>
+          </a:prstGeom>
+          <a:noFill/>
+        </p:spPr>
+        <p:txBody>
+          <a:bodyPr wrap="square" rtlCol="0">
+            <a:spAutoFit/>
+          </a:bodyPr>
+          <a:lstStyle/>
+          <a:p>
+            <a:r>
+              <a:rPr lang="en-US" altLang="zh-CN" dirty="0" smtClean="0"/>
+              <a:t>PHP</a:t>
+            </a:r>
+            <a:r>
+              <a:rPr lang="zh-CN" altLang="en-US" dirty="0" smtClean="0"/>
+              <a:t>内存</a:t>
+            </a:r>
+            <a:r>
+              <a:rPr lang="zh-CN" altLang="en-US" dirty="0" smtClean="0"/>
+              <a:t>管理</a:t>
+            </a:r>
+            <a:r>
+              <a:rPr lang="en-US" altLang="zh-CN" dirty="0" err="1" smtClean="0"/>
+              <a:t>large_free_buckets</a:t>
             </a:r>
             <a:r>
               <a:rPr lang="zh-CN" altLang="en-US" dirty="0" smtClean="0"/>
